--- a/Trabalho pratico.pptx
+++ b/Trabalho pratico.pptx
@@ -6,13 +6,28 @@
   </p:sldMasterIdLst>
   <p:sldIdLst>
     <p:sldId id="256" r:id="rId2"/>
-    <p:sldId id="257" r:id="rId3"/>
-    <p:sldId id="258" r:id="rId4"/>
-    <p:sldId id="263" r:id="rId5"/>
-    <p:sldId id="259" r:id="rId6"/>
-    <p:sldId id="260" r:id="rId7"/>
-    <p:sldId id="262" r:id="rId8"/>
-    <p:sldId id="264" r:id="rId9"/>
+    <p:sldId id="282" r:id="rId3"/>
+    <p:sldId id="257" r:id="rId4"/>
+    <p:sldId id="258" r:id="rId5"/>
+    <p:sldId id="263" r:id="rId6"/>
+    <p:sldId id="259" r:id="rId7"/>
+    <p:sldId id="260" r:id="rId8"/>
+    <p:sldId id="262" r:id="rId9"/>
+    <p:sldId id="264" r:id="rId10"/>
+    <p:sldId id="265" r:id="rId11"/>
+    <p:sldId id="266" r:id="rId12"/>
+    <p:sldId id="267" r:id="rId13"/>
+    <p:sldId id="268" r:id="rId14"/>
+    <p:sldId id="269" r:id="rId15"/>
+    <p:sldId id="271" r:id="rId16"/>
+    <p:sldId id="272" r:id="rId17"/>
+    <p:sldId id="277" r:id="rId18"/>
+    <p:sldId id="275" r:id="rId19"/>
+    <p:sldId id="276" r:id="rId20"/>
+    <p:sldId id="278" r:id="rId21"/>
+    <p:sldId id="279" r:id="rId22"/>
+    <p:sldId id="280" r:id="rId23"/>
+    <p:sldId id="281" r:id="rId24"/>
   </p:sldIdLst>
   <p:sldSz cx="12192000" cy="6858000"/>
   <p:notesSz cx="6858000" cy="9144000"/>
@@ -111,6 +126,11 @@
       </a:defRPr>
     </a:lvl9pPr>
   </p:defaultTextStyle>
+  <p:extLst>
+    <p:ext uri="{EFAFB233-063F-42B5-8137-9DF3F51BA10A}">
+      <p15:sldGuideLst xmlns:p15="http://schemas.microsoft.com/office/powerpoint/2012/main"/>
+    </p:ext>
+  </p:extLst>
 </p:presentation>
 </file>
 
@@ -344,7 +364,7 @@
             <a:fld id="{B61BEF0D-F0BB-DE4B-95CE-6DB70DBA9567}" type="datetimeFigureOut">
               <a:rPr lang="en-US" dirty="0"/>
               <a:pPr/>
-              <a:t>1/19/2018</a:t>
+              <a:t>1/25/2018</a:t>
             </a:fld>
             <a:endParaRPr lang="en-US" dirty="0"/>
           </a:p>
@@ -675,7 +695,7 @@
             <a:fld id="{B61BEF0D-F0BB-DE4B-95CE-6DB70DBA9567}" type="datetimeFigureOut">
               <a:rPr lang="en-US" dirty="0"/>
               <a:pPr/>
-              <a:t>1/19/2018</a:t>
+              <a:t>1/25/2018</a:t>
             </a:fld>
             <a:endParaRPr lang="en-US" dirty="0"/>
           </a:p>
@@ -950,7 +970,7 @@
             <a:fld id="{B61BEF0D-F0BB-DE4B-95CE-6DB70DBA9567}" type="datetimeFigureOut">
               <a:rPr lang="en-US" dirty="0"/>
               <a:pPr/>
-              <a:t>1/19/2018</a:t>
+              <a:t>1/25/2018</a:t>
             </a:fld>
             <a:endParaRPr lang="en-US" dirty="0"/>
           </a:p>
@@ -1515,7 +1535,7 @@
             <a:fld id="{B61BEF0D-F0BB-DE4B-95CE-6DB70DBA9567}" type="datetimeFigureOut">
               <a:rPr lang="en-US" dirty="0"/>
               <a:pPr/>
-              <a:t>1/19/2018</a:t>
+              <a:t>1/25/2018</a:t>
             </a:fld>
             <a:endParaRPr lang="en-US" dirty="0"/>
           </a:p>
@@ -1790,7 +1810,7 @@
             <a:fld id="{B61BEF0D-F0BB-DE4B-95CE-6DB70DBA9567}" type="datetimeFigureOut">
               <a:rPr lang="en-US" dirty="0"/>
               <a:pPr/>
-              <a:t>1/19/2018</a:t>
+              <a:t>1/25/2018</a:t>
             </a:fld>
             <a:endParaRPr lang="en-US" dirty="0"/>
           </a:p>
@@ -2349,7 +2369,7 @@
             <a:fld id="{B61BEF0D-F0BB-DE4B-95CE-6DB70DBA9567}" type="datetimeFigureOut">
               <a:rPr lang="en-US" dirty="0"/>
               <a:pPr/>
-              <a:t>1/19/2018</a:t>
+              <a:t>1/25/2018</a:t>
             </a:fld>
             <a:endParaRPr lang="en-US" dirty="0"/>
           </a:p>
@@ -2673,7 +2693,7 @@
             <a:fld id="{B61BEF0D-F0BB-DE4B-95CE-6DB70DBA9567}" type="datetimeFigureOut">
               <a:rPr lang="en-US" dirty="0"/>
               <a:pPr/>
-              <a:t>1/19/2018</a:t>
+              <a:t>1/25/2018</a:t>
             </a:fld>
             <a:endParaRPr lang="en-US" dirty="0"/>
           </a:p>
@@ -2875,7 +2895,7 @@
             <a:fld id="{B61BEF0D-F0BB-DE4B-95CE-6DB70DBA9567}" type="datetimeFigureOut">
               <a:rPr lang="en-US" dirty="0"/>
               <a:pPr/>
-              <a:t>1/19/2018</a:t>
+              <a:t>1/25/2018</a:t>
             </a:fld>
             <a:endParaRPr lang="en-US" dirty="0"/>
           </a:p>
@@ -3082,7 +3102,7 @@
             <a:fld id="{B61BEF0D-F0BB-DE4B-95CE-6DB70DBA9567}" type="datetimeFigureOut">
               <a:rPr lang="en-US" dirty="0"/>
               <a:pPr/>
-              <a:t>1/19/2018</a:t>
+              <a:t>1/25/2018</a:t>
             </a:fld>
             <a:endParaRPr lang="en-US" dirty="0"/>
           </a:p>
@@ -3279,7 +3299,7 @@
             <a:fld id="{B61BEF0D-F0BB-DE4B-95CE-6DB70DBA9567}" type="datetimeFigureOut">
               <a:rPr lang="en-US" dirty="0"/>
               <a:pPr/>
-              <a:t>1/19/2018</a:t>
+              <a:t>1/25/2018</a:t>
             </a:fld>
             <a:endParaRPr lang="en-US" dirty="0"/>
           </a:p>
@@ -3552,7 +3572,7 @@
             <a:fld id="{B61BEF0D-F0BB-DE4B-95CE-6DB70DBA9567}" type="datetimeFigureOut">
               <a:rPr lang="en-US" dirty="0"/>
               <a:pPr/>
-              <a:t>1/19/2018</a:t>
+              <a:t>1/25/2018</a:t>
             </a:fld>
             <a:endParaRPr lang="en-US" dirty="0"/>
           </a:p>
@@ -3815,7 +3835,7 @@
             <a:fld id="{B61BEF0D-F0BB-DE4B-95CE-6DB70DBA9567}" type="datetimeFigureOut">
               <a:rPr lang="en-US" dirty="0"/>
               <a:pPr/>
-              <a:t>1/19/2018</a:t>
+              <a:t>1/25/2018</a:t>
             </a:fld>
             <a:endParaRPr lang="en-US" dirty="0"/>
           </a:p>
@@ -4186,7 +4206,7 @@
             <a:fld id="{B61BEF0D-F0BB-DE4B-95CE-6DB70DBA9567}" type="datetimeFigureOut">
               <a:rPr lang="en-US" dirty="0"/>
               <a:pPr/>
-              <a:t>1/19/2018</a:t>
+              <a:t>1/25/2018</a:t>
             </a:fld>
             <a:endParaRPr lang="en-US" dirty="0"/>
           </a:p>
@@ -4331,7 +4351,7 @@
             <a:fld id="{B61BEF0D-F0BB-DE4B-95CE-6DB70DBA9567}" type="datetimeFigureOut">
               <a:rPr lang="en-US" dirty="0"/>
               <a:pPr/>
-              <a:t>1/19/2018</a:t>
+              <a:t>1/25/2018</a:t>
             </a:fld>
             <a:endParaRPr lang="en-US" dirty="0"/>
           </a:p>
@@ -4453,7 +4473,7 @@
             <a:fld id="{B61BEF0D-F0BB-DE4B-95CE-6DB70DBA9567}" type="datetimeFigureOut">
               <a:rPr lang="en-US" dirty="0"/>
               <a:pPr/>
-              <a:t>1/19/2018</a:t>
+              <a:t>1/25/2018</a:t>
             </a:fld>
             <a:endParaRPr lang="en-US" dirty="0"/>
           </a:p>
@@ -4735,7 +4755,7 @@
             <a:fld id="{B61BEF0D-F0BB-DE4B-95CE-6DB70DBA9567}" type="datetimeFigureOut">
               <a:rPr lang="en-US" dirty="0"/>
               <a:pPr/>
-              <a:t>1/19/2018</a:t>
+              <a:t>1/25/2018</a:t>
             </a:fld>
             <a:endParaRPr lang="en-US" dirty="0"/>
           </a:p>
@@ -5056,7 +5076,7 @@
             <a:fld id="{B61BEF0D-F0BB-DE4B-95CE-6DB70DBA9567}" type="datetimeFigureOut">
               <a:rPr lang="en-US" dirty="0"/>
               <a:pPr/>
-              <a:t>1/19/2018</a:t>
+              <a:t>1/25/2018</a:t>
             </a:fld>
             <a:endParaRPr lang="en-US" dirty="0"/>
           </a:p>
@@ -5267,7 +5287,7 @@
             <a:fld id="{B61BEF0D-F0BB-DE4B-95CE-6DB70DBA9567}" type="datetimeFigureOut">
               <a:rPr lang="en-US" dirty="0"/>
               <a:pPr/>
-              <a:t>1/19/2018</a:t>
+              <a:t>1/25/2018</a:t>
             </a:fld>
             <a:endParaRPr lang="en-US" dirty="0"/>
           </a:p>
@@ -5828,10 +5848,1926 @@
           </a:p>
         </p:txBody>
       </p:sp>
+      <p:pic>
+        <p:nvPicPr>
+          <p:cNvPr id="4" name="Imagem 3"/>
+          <p:cNvPicPr>
+            <a:picLocks noChangeAspect="1"/>
+          </p:cNvPicPr>
+          <p:nvPr/>
+        </p:nvPicPr>
+        <p:blipFill>
+          <a:blip r:embed="rId2"/>
+          <a:stretch>
+            <a:fillRect/>
+          </a:stretch>
+        </p:blipFill>
+        <p:spPr>
+          <a:xfrm>
+            <a:off x="695661" y="1354267"/>
+            <a:ext cx="4855285" cy="3641464"/>
+          </a:xfrm>
+          <a:prstGeom prst="roundRect">
+            <a:avLst>
+              <a:gd name="adj" fmla="val 16667"/>
+            </a:avLst>
+          </a:prstGeom>
+          <a:ln>
+            <a:noFill/>
+          </a:ln>
+          <a:effectLst>
+            <a:outerShdw blurRad="76200" dist="38100" dir="7800000" algn="tl" rotWithShape="0">
+              <a:srgbClr val="000000">
+                <a:alpha val="40000"/>
+              </a:srgbClr>
+            </a:outerShdw>
+          </a:effectLst>
+          <a:scene3d>
+            <a:camera prst="orthographicFront"/>
+            <a:lightRig rig="contrasting" dir="t">
+              <a:rot lat="0" lon="0" rev="4200000"/>
+            </a:lightRig>
+          </a:scene3d>
+          <a:sp3d prstMaterial="plastic">
+            <a:bevelT w="381000" h="114300" prst="relaxedInset"/>
+            <a:contourClr>
+              <a:srgbClr val="969696"/>
+            </a:contourClr>
+          </a:sp3d>
+        </p:spPr>
+      </p:pic>
     </p:spTree>
     <p:extLst>
       <p:ext uri="{BB962C8B-B14F-4D97-AF65-F5344CB8AC3E}">
         <p14:creationId xmlns:p14="http://schemas.microsoft.com/office/powerpoint/2010/main" val="200356715"/>
+      </p:ext>
+    </p:extLst>
+  </p:cSld>
+  <p:clrMapOvr>
+    <a:masterClrMapping/>
+  </p:clrMapOvr>
+  <p:timing>
+    <p:tnLst>
+      <p:par>
+        <p:cTn id="1" dur="indefinite" restart="never" nodeType="tmRoot"/>
+      </p:par>
+    </p:tnLst>
+  </p:timing>
+</p:sld>
+</file>
+
+<file path=ppt/slides/slide10.xml><?xml version="1.0" encoding="utf-8"?>
+<p:sld xmlns:a="http://schemas.openxmlformats.org/drawingml/2006/main" xmlns:r="http://schemas.openxmlformats.org/officeDocument/2006/relationships" xmlns:p="http://schemas.openxmlformats.org/presentationml/2006/main">
+  <p:cSld>
+    <p:spTree>
+      <p:nvGrpSpPr>
+        <p:cNvPr id="1" name=""/>
+        <p:cNvGrpSpPr/>
+        <p:nvPr/>
+      </p:nvGrpSpPr>
+      <p:grpSpPr>
+        <a:xfrm>
+          <a:off x="0" y="0"/>
+          <a:ext cx="0" cy="0"/>
+          <a:chOff x="0" y="0"/>
+          <a:chExt cx="0" cy="0"/>
+        </a:xfrm>
+      </p:grpSpPr>
+      <p:sp>
+        <p:nvSpPr>
+          <p:cNvPr id="2" name="Título 1"/>
+          <p:cNvSpPr>
+            <a:spLocks noGrp="1"/>
+          </p:cNvSpPr>
+          <p:nvPr>
+            <p:ph type="title"/>
+          </p:nvPr>
+        </p:nvSpPr>
+        <p:spPr/>
+        <p:txBody>
+          <a:bodyPr/>
+          <a:lstStyle/>
+          <a:p>
+            <a:r>
+              <a:rPr lang="pt-PT" dirty="0"/>
+              <a:t>Existem dois formatos principais de cabos coaxiais:</a:t>
+            </a:r>
+          </a:p>
+        </p:txBody>
+      </p:sp>
+      <p:sp>
+        <p:nvSpPr>
+          <p:cNvPr id="3" name="Marcador de Posição de Conteúdo 2"/>
+          <p:cNvSpPr>
+            <a:spLocks noGrp="1"/>
+          </p:cNvSpPr>
+          <p:nvPr>
+            <p:ph idx="1"/>
+          </p:nvPr>
+        </p:nvSpPr>
+        <p:spPr/>
+        <p:txBody>
+          <a:bodyPr/>
+          <a:lstStyle/>
+          <a:p>
+            <a:r>
+              <a:rPr lang="pt-PT" dirty="0" err="1"/>
+              <a:t>Thin</a:t>
+            </a:r>
+            <a:r>
+              <a:rPr lang="pt-PT" dirty="0"/>
+              <a:t> Ethernet  (também designada por </a:t>
+            </a:r>
+            <a:r>
+              <a:rPr lang="pt-PT" dirty="0" err="1"/>
+              <a:t>thinnet</a:t>
+            </a:r>
+            <a:r>
+              <a:rPr lang="pt-PT" dirty="0"/>
+              <a:t> ou 10base2</a:t>
+            </a:r>
+            <a:r>
+              <a:rPr lang="pt-PT" dirty="0" smtClean="0"/>
+              <a:t>);</a:t>
+            </a:r>
+          </a:p>
+          <a:p>
+            <a:endParaRPr lang="pt-PT" dirty="0"/>
+          </a:p>
+          <a:p>
+            <a:endParaRPr lang="pt-PT" dirty="0"/>
+          </a:p>
+          <a:p>
+            <a:r>
+              <a:rPr lang="pt-PT" dirty="0" err="1"/>
+              <a:t>Thick</a:t>
+            </a:r>
+            <a:r>
+              <a:rPr lang="pt-PT" dirty="0"/>
+              <a:t> Ethernet  (também designado por </a:t>
+            </a:r>
+            <a:r>
+              <a:rPr lang="pt-PT" dirty="0" err="1"/>
+              <a:t>thicknet</a:t>
+            </a:r>
+            <a:r>
+              <a:rPr lang="pt-PT" dirty="0"/>
+              <a:t> ou 10base5).</a:t>
+            </a:r>
+          </a:p>
+          <a:p>
+            <a:endParaRPr lang="pt-PT" dirty="0"/>
+          </a:p>
+        </p:txBody>
+      </p:sp>
+      <p:pic>
+        <p:nvPicPr>
+          <p:cNvPr id="4" name="Imagem 3"/>
+          <p:cNvPicPr>
+            <a:picLocks noChangeAspect="1"/>
+          </p:cNvPicPr>
+          <p:nvPr/>
+        </p:nvPicPr>
+        <p:blipFill>
+          <a:blip r:embed="rId2"/>
+          <a:stretch>
+            <a:fillRect/>
+          </a:stretch>
+        </p:blipFill>
+        <p:spPr>
+          <a:xfrm>
+            <a:off x="7767636" y="1696578"/>
+            <a:ext cx="2143125" cy="1419225"/>
+          </a:xfrm>
+          <a:prstGeom prst="roundRect">
+            <a:avLst>
+              <a:gd name="adj" fmla="val 16667"/>
+            </a:avLst>
+          </a:prstGeom>
+          <a:ln>
+            <a:noFill/>
+          </a:ln>
+          <a:effectLst>
+            <a:outerShdw blurRad="76200" dist="38100" dir="7800000" algn="tl" rotWithShape="0">
+              <a:srgbClr val="000000">
+                <a:alpha val="40000"/>
+              </a:srgbClr>
+            </a:outerShdw>
+          </a:effectLst>
+          <a:scene3d>
+            <a:camera prst="orthographicFront"/>
+            <a:lightRig rig="contrasting" dir="t">
+              <a:rot lat="0" lon="0" rev="4200000"/>
+            </a:lightRig>
+          </a:scene3d>
+          <a:sp3d prstMaterial="plastic">
+            <a:bevelT w="381000" h="114300" prst="relaxedInset"/>
+            <a:contourClr>
+              <a:srgbClr val="969696"/>
+            </a:contourClr>
+          </a:sp3d>
+        </p:spPr>
+      </p:pic>
+      <p:pic>
+        <p:nvPicPr>
+          <p:cNvPr id="5" name="Imagem 4"/>
+          <p:cNvPicPr>
+            <a:picLocks noChangeAspect="1"/>
+          </p:cNvPicPr>
+          <p:nvPr/>
+        </p:nvPicPr>
+        <p:blipFill>
+          <a:blip r:embed="rId3"/>
+          <a:stretch>
+            <a:fillRect/>
+          </a:stretch>
+        </p:blipFill>
+        <p:spPr>
+          <a:xfrm>
+            <a:off x="7767636" y="4367603"/>
+            <a:ext cx="2317334" cy="1735953"/>
+          </a:xfrm>
+          <a:prstGeom prst="roundRect">
+            <a:avLst>
+              <a:gd name="adj" fmla="val 16667"/>
+            </a:avLst>
+          </a:prstGeom>
+          <a:ln>
+            <a:noFill/>
+          </a:ln>
+          <a:effectLst>
+            <a:outerShdw blurRad="76200" dist="38100" dir="7800000" algn="tl" rotWithShape="0">
+              <a:srgbClr val="000000">
+                <a:alpha val="40000"/>
+              </a:srgbClr>
+            </a:outerShdw>
+          </a:effectLst>
+          <a:scene3d>
+            <a:camera prst="orthographicFront"/>
+            <a:lightRig rig="contrasting" dir="t">
+              <a:rot lat="0" lon="0" rev="4200000"/>
+            </a:lightRig>
+          </a:scene3d>
+          <a:sp3d prstMaterial="plastic">
+            <a:bevelT w="381000" h="114300" prst="relaxedInset"/>
+            <a:contourClr>
+              <a:srgbClr val="969696"/>
+            </a:contourClr>
+          </a:sp3d>
+        </p:spPr>
+      </p:pic>
+    </p:spTree>
+    <p:extLst>
+      <p:ext uri="{BB962C8B-B14F-4D97-AF65-F5344CB8AC3E}">
+        <p14:creationId xmlns:p14="http://schemas.microsoft.com/office/powerpoint/2010/main" val="1784967308"/>
+      </p:ext>
+    </p:extLst>
+  </p:cSld>
+  <p:clrMapOvr>
+    <a:masterClrMapping/>
+  </p:clrMapOvr>
+  <p:timing>
+    <p:tnLst>
+      <p:par>
+        <p:cTn id="1" dur="indefinite" restart="never" nodeType="tmRoot"/>
+      </p:par>
+    </p:tnLst>
+  </p:timing>
+</p:sld>
+</file>
+
+<file path=ppt/slides/slide11.xml><?xml version="1.0" encoding="utf-8"?>
+<p:sld xmlns:a="http://schemas.openxmlformats.org/drawingml/2006/main" xmlns:r="http://schemas.openxmlformats.org/officeDocument/2006/relationships" xmlns:p="http://schemas.openxmlformats.org/presentationml/2006/main">
+  <p:cSld>
+    <p:spTree>
+      <p:nvGrpSpPr>
+        <p:cNvPr id="1" name=""/>
+        <p:cNvGrpSpPr/>
+        <p:nvPr/>
+      </p:nvGrpSpPr>
+      <p:grpSpPr>
+        <a:xfrm>
+          <a:off x="0" y="0"/>
+          <a:ext cx="0" cy="0"/>
+          <a:chOff x="0" y="0"/>
+          <a:chExt cx="0" cy="0"/>
+        </a:xfrm>
+      </p:grpSpPr>
+      <p:sp>
+        <p:nvSpPr>
+          <p:cNvPr id="2" name="Título 1"/>
+          <p:cNvSpPr>
+            <a:spLocks noGrp="1"/>
+          </p:cNvSpPr>
+          <p:nvPr>
+            <p:ph type="title"/>
+          </p:nvPr>
+        </p:nvSpPr>
+        <p:spPr/>
+        <p:txBody>
+          <a:bodyPr/>
+          <a:lstStyle/>
+          <a:p>
+            <a:r>
+              <a:rPr lang="pt-PT" dirty="0" err="1"/>
+              <a:t>Thin</a:t>
+            </a:r>
+            <a:r>
+              <a:rPr lang="pt-PT" dirty="0"/>
+              <a:t> Ethernet (</a:t>
+            </a:r>
+            <a:r>
+              <a:rPr lang="pt-PT" dirty="0" err="1"/>
+              <a:t>thinnet</a:t>
+            </a:r>
+            <a:r>
+              <a:rPr lang="pt-PT" dirty="0"/>
+              <a:t> ou 10base2)</a:t>
+            </a:r>
+          </a:p>
+        </p:txBody>
+      </p:sp>
+      <p:sp>
+        <p:nvSpPr>
+          <p:cNvPr id="3" name="Marcador de Posição de Conteúdo 2"/>
+          <p:cNvSpPr>
+            <a:spLocks noGrp="1"/>
+          </p:cNvSpPr>
+          <p:nvPr>
+            <p:ph idx="1"/>
+          </p:nvPr>
+        </p:nvSpPr>
+        <p:spPr/>
+        <p:txBody>
+          <a:bodyPr/>
+          <a:lstStyle/>
+          <a:p>
+            <a:r>
+              <a:rPr lang="pt-PT" dirty="0" smtClean="0"/>
+              <a:t>Cabo </a:t>
+            </a:r>
+            <a:r>
+              <a:rPr lang="pt-PT" dirty="0"/>
+              <a:t>coaxial fino.</a:t>
+            </a:r>
+          </a:p>
+          <a:p>
+            <a:r>
+              <a:rPr lang="pt-PT" dirty="0" smtClean="0"/>
+              <a:t>Capacidade </a:t>
+            </a:r>
+            <a:r>
+              <a:rPr lang="pt-PT" dirty="0"/>
+              <a:t>de transmissão de 10 Mbps.</a:t>
+            </a:r>
+          </a:p>
+          <a:p>
+            <a:r>
+              <a:rPr lang="pt-PT" dirty="0" smtClean="0"/>
+              <a:t>Extensão </a:t>
+            </a:r>
+            <a:r>
+              <a:rPr lang="pt-PT" dirty="0"/>
+              <a:t>máxima de segmento de rede de 185 metros.</a:t>
+            </a:r>
+          </a:p>
+          <a:p>
+            <a:r>
+              <a:rPr lang="pt-PT" dirty="0" smtClean="0"/>
+              <a:t>As </a:t>
+            </a:r>
+            <a:r>
+              <a:rPr lang="pt-PT" dirty="0"/>
+              <a:t>ligações às placas de rede dos computadores são feitas através de conectores BNC.</a:t>
+            </a:r>
+          </a:p>
+          <a:p>
+            <a:endParaRPr lang="pt-PT" dirty="0"/>
+          </a:p>
+        </p:txBody>
+      </p:sp>
+      <p:pic>
+        <p:nvPicPr>
+          <p:cNvPr id="4" name="Imagem 3"/>
+          <p:cNvPicPr>
+            <a:picLocks noChangeAspect="1"/>
+          </p:cNvPicPr>
+          <p:nvPr/>
+        </p:nvPicPr>
+        <p:blipFill>
+          <a:blip r:embed="rId2"/>
+          <a:stretch>
+            <a:fillRect/>
+          </a:stretch>
+        </p:blipFill>
+        <p:spPr>
+          <a:xfrm>
+            <a:off x="8348549" y="5081587"/>
+            <a:ext cx="2143125" cy="1419225"/>
+          </a:xfrm>
+          <a:prstGeom prst="roundRect">
+            <a:avLst>
+              <a:gd name="adj" fmla="val 16667"/>
+            </a:avLst>
+          </a:prstGeom>
+          <a:ln>
+            <a:noFill/>
+          </a:ln>
+          <a:effectLst>
+            <a:outerShdw blurRad="76200" dist="38100" dir="7800000" algn="tl" rotWithShape="0">
+              <a:srgbClr val="000000">
+                <a:alpha val="40000"/>
+              </a:srgbClr>
+            </a:outerShdw>
+          </a:effectLst>
+          <a:scene3d>
+            <a:camera prst="orthographicFront"/>
+            <a:lightRig rig="contrasting" dir="t">
+              <a:rot lat="0" lon="0" rev="4200000"/>
+            </a:lightRig>
+          </a:scene3d>
+          <a:sp3d prstMaterial="plastic">
+            <a:bevelT w="381000" h="114300" prst="relaxedInset"/>
+            <a:contourClr>
+              <a:srgbClr val="969696"/>
+            </a:contourClr>
+          </a:sp3d>
+        </p:spPr>
+      </p:pic>
+    </p:spTree>
+    <p:extLst>
+      <p:ext uri="{BB962C8B-B14F-4D97-AF65-F5344CB8AC3E}">
+        <p14:creationId xmlns:p14="http://schemas.microsoft.com/office/powerpoint/2010/main" val="3817903073"/>
+      </p:ext>
+    </p:extLst>
+  </p:cSld>
+  <p:clrMapOvr>
+    <a:masterClrMapping/>
+  </p:clrMapOvr>
+  <p:timing>
+    <p:tnLst>
+      <p:par>
+        <p:cTn id="1" dur="indefinite" restart="never" nodeType="tmRoot"/>
+      </p:par>
+    </p:tnLst>
+  </p:timing>
+</p:sld>
+</file>
+
+<file path=ppt/slides/slide12.xml><?xml version="1.0" encoding="utf-8"?>
+<p:sld xmlns:a="http://schemas.openxmlformats.org/drawingml/2006/main" xmlns:r="http://schemas.openxmlformats.org/officeDocument/2006/relationships" xmlns:p="http://schemas.openxmlformats.org/presentationml/2006/main">
+  <p:cSld>
+    <p:spTree>
+      <p:nvGrpSpPr>
+        <p:cNvPr id="1" name=""/>
+        <p:cNvGrpSpPr/>
+        <p:nvPr/>
+      </p:nvGrpSpPr>
+      <p:grpSpPr>
+        <a:xfrm>
+          <a:off x="0" y="0"/>
+          <a:ext cx="0" cy="0"/>
+          <a:chOff x="0" y="0"/>
+          <a:chExt cx="0" cy="0"/>
+        </a:xfrm>
+      </p:grpSpPr>
+      <p:sp>
+        <p:nvSpPr>
+          <p:cNvPr id="2" name="Título 1"/>
+          <p:cNvSpPr>
+            <a:spLocks noGrp="1"/>
+          </p:cNvSpPr>
+          <p:nvPr>
+            <p:ph type="title"/>
+          </p:nvPr>
+        </p:nvSpPr>
+        <p:spPr/>
+        <p:txBody>
+          <a:bodyPr/>
+          <a:lstStyle/>
+          <a:p>
+            <a:r>
+              <a:rPr lang="en-US" dirty="0"/>
+              <a:t>Thick Ethernet (</a:t>
+            </a:r>
+            <a:r>
+              <a:rPr lang="en-US" dirty="0" err="1"/>
+              <a:t>thicknet</a:t>
+            </a:r>
+            <a:r>
+              <a:rPr lang="en-US" dirty="0"/>
+              <a:t> </a:t>
+            </a:r>
+            <a:r>
+              <a:rPr lang="en-US" dirty="0" err="1"/>
+              <a:t>ou</a:t>
+            </a:r>
+            <a:r>
+              <a:rPr lang="en-US" dirty="0"/>
+              <a:t> 10base5)</a:t>
+            </a:r>
+            <a:endParaRPr lang="pt-PT" dirty="0"/>
+          </a:p>
+        </p:txBody>
+      </p:sp>
+      <p:sp>
+        <p:nvSpPr>
+          <p:cNvPr id="3" name="Marcador de Posição de Conteúdo 2"/>
+          <p:cNvSpPr>
+            <a:spLocks noGrp="1"/>
+          </p:cNvSpPr>
+          <p:nvPr>
+            <p:ph idx="1"/>
+          </p:nvPr>
+        </p:nvSpPr>
+        <p:spPr/>
+        <p:txBody>
+          <a:bodyPr/>
+          <a:lstStyle/>
+          <a:p>
+            <a:r>
+              <a:rPr lang="pt-PT" dirty="0" smtClean="0"/>
+              <a:t>Cabo </a:t>
+            </a:r>
+            <a:r>
+              <a:rPr lang="pt-PT" dirty="0"/>
+              <a:t>coaxial grosso.</a:t>
+            </a:r>
+          </a:p>
+          <a:p>
+            <a:r>
+              <a:rPr lang="pt-PT" dirty="0" smtClean="0"/>
+              <a:t>Taxa </a:t>
+            </a:r>
+            <a:r>
+              <a:rPr lang="pt-PT" dirty="0"/>
+              <a:t>de transmissão semelhante ao anterior, mas com uma extensão máxima de segmento de rede </a:t>
+            </a:r>
+            <a:r>
+              <a:rPr lang="pt-PT" dirty="0" smtClean="0"/>
+              <a:t>de cerca </a:t>
+            </a:r>
+            <a:r>
+              <a:rPr lang="pt-PT" dirty="0"/>
+              <a:t>de 500 metros.</a:t>
+            </a:r>
+          </a:p>
+          <a:p>
+            <a:r>
+              <a:rPr lang="pt-PT" dirty="0" smtClean="0"/>
+              <a:t>As </a:t>
+            </a:r>
+            <a:r>
+              <a:rPr lang="pt-PT" dirty="0"/>
+              <a:t>ligações às placas dos computadores não são feitas diretamente, mas através de dispositivos específicos, chamados </a:t>
+            </a:r>
+            <a:r>
+              <a:rPr lang="pt-PT" dirty="0" err="1"/>
+              <a:t>transceivers</a:t>
+            </a:r>
+            <a:r>
+              <a:rPr lang="pt-PT" dirty="0"/>
+              <a:t> (</a:t>
+            </a:r>
+            <a:r>
+              <a:rPr lang="pt-PT" dirty="0" err="1"/>
+              <a:t>transmiter</a:t>
+            </a:r>
+            <a:r>
+              <a:rPr lang="pt-PT" dirty="0"/>
+              <a:t> + </a:t>
+            </a:r>
+            <a:r>
+              <a:rPr lang="pt-PT" dirty="0" err="1"/>
+              <a:t>receiver</a:t>
+            </a:r>
+            <a:r>
+              <a:rPr lang="pt-PT" dirty="0"/>
+              <a:t>).</a:t>
+            </a:r>
+          </a:p>
+          <a:p>
+            <a:endParaRPr lang="pt-PT" dirty="0"/>
+          </a:p>
+        </p:txBody>
+      </p:sp>
+      <p:pic>
+        <p:nvPicPr>
+          <p:cNvPr id="4" name="Imagem 3"/>
+          <p:cNvPicPr>
+            <a:picLocks noChangeAspect="1"/>
+          </p:cNvPicPr>
+          <p:nvPr/>
+        </p:nvPicPr>
+        <p:blipFill>
+          <a:blip r:embed="rId2"/>
+          <a:stretch>
+            <a:fillRect/>
+          </a:stretch>
+        </p:blipFill>
+        <p:spPr>
+          <a:xfrm>
+            <a:off x="8003688" y="4632864"/>
+            <a:ext cx="2689413" cy="2017664"/>
+          </a:xfrm>
+          <a:prstGeom prst="roundRect">
+            <a:avLst>
+              <a:gd name="adj" fmla="val 16667"/>
+            </a:avLst>
+          </a:prstGeom>
+          <a:ln>
+            <a:noFill/>
+          </a:ln>
+          <a:effectLst>
+            <a:outerShdw blurRad="76200" dist="38100" dir="7800000" algn="tl" rotWithShape="0">
+              <a:srgbClr val="000000">
+                <a:alpha val="40000"/>
+              </a:srgbClr>
+            </a:outerShdw>
+          </a:effectLst>
+          <a:scene3d>
+            <a:camera prst="orthographicFront"/>
+            <a:lightRig rig="contrasting" dir="t">
+              <a:rot lat="0" lon="0" rev="4200000"/>
+            </a:lightRig>
+          </a:scene3d>
+          <a:sp3d prstMaterial="plastic">
+            <a:bevelT w="381000" h="114300" prst="relaxedInset"/>
+            <a:contourClr>
+              <a:srgbClr val="969696"/>
+            </a:contourClr>
+          </a:sp3d>
+        </p:spPr>
+      </p:pic>
+    </p:spTree>
+    <p:extLst>
+      <p:ext uri="{BB962C8B-B14F-4D97-AF65-F5344CB8AC3E}">
+        <p14:creationId xmlns:p14="http://schemas.microsoft.com/office/powerpoint/2010/main" val="1688853474"/>
+      </p:ext>
+    </p:extLst>
+  </p:cSld>
+  <p:clrMapOvr>
+    <a:masterClrMapping/>
+  </p:clrMapOvr>
+  <p:timing>
+    <p:tnLst>
+      <p:par>
+        <p:cTn id="1" dur="indefinite" restart="never" nodeType="tmRoot"/>
+      </p:par>
+    </p:tnLst>
+  </p:timing>
+</p:sld>
+</file>
+
+<file path=ppt/slides/slide13.xml><?xml version="1.0" encoding="utf-8"?>
+<p:sld xmlns:a="http://schemas.openxmlformats.org/drawingml/2006/main" xmlns:r="http://schemas.openxmlformats.org/officeDocument/2006/relationships" xmlns:p="http://schemas.openxmlformats.org/presentationml/2006/main">
+  <p:cSld>
+    <p:spTree>
+      <p:nvGrpSpPr>
+        <p:cNvPr id="1" name=""/>
+        <p:cNvGrpSpPr/>
+        <p:nvPr/>
+      </p:nvGrpSpPr>
+      <p:grpSpPr>
+        <a:xfrm>
+          <a:off x="0" y="0"/>
+          <a:ext cx="0" cy="0"/>
+          <a:chOff x="0" y="0"/>
+          <a:chExt cx="0" cy="0"/>
+        </a:xfrm>
+      </p:grpSpPr>
+      <p:sp>
+        <p:nvSpPr>
+          <p:cNvPr id="2" name="Título 1"/>
+          <p:cNvSpPr>
+            <a:spLocks noGrp="1"/>
+          </p:cNvSpPr>
+          <p:nvPr>
+            <p:ph type="title"/>
+          </p:nvPr>
+        </p:nvSpPr>
+        <p:spPr/>
+        <p:txBody>
+          <a:bodyPr/>
+          <a:lstStyle/>
+          <a:p>
+            <a:r>
+              <a:rPr lang="pt-PT" dirty="0"/>
+              <a:t>Características dos cabos coaxiais</a:t>
+            </a:r>
+          </a:p>
+        </p:txBody>
+      </p:sp>
+      <p:sp>
+        <p:nvSpPr>
+          <p:cNvPr id="3" name="Marcador de Posição de Conteúdo 2"/>
+          <p:cNvSpPr>
+            <a:spLocks noGrp="1"/>
+          </p:cNvSpPr>
+          <p:nvPr>
+            <p:ph idx="1"/>
+          </p:nvPr>
+        </p:nvSpPr>
+        <p:spPr/>
+        <p:txBody>
+          <a:bodyPr/>
+          <a:lstStyle/>
+          <a:p>
+            <a:r>
+              <a:rPr lang="pt-PT" dirty="0" smtClean="0"/>
+              <a:t>Grande </a:t>
+            </a:r>
+            <a:r>
+              <a:rPr lang="pt-PT" dirty="0"/>
+              <a:t>resistência a interferências.</a:t>
+            </a:r>
+          </a:p>
+          <a:p>
+            <a:r>
+              <a:rPr lang="pt-PT" dirty="0" smtClean="0"/>
+              <a:t>Taxas </a:t>
+            </a:r>
+            <a:r>
+              <a:rPr lang="pt-PT" dirty="0"/>
+              <a:t>de transmissão razoáveis.</a:t>
+            </a:r>
+          </a:p>
+          <a:p>
+            <a:r>
+              <a:rPr lang="pt-PT" dirty="0" smtClean="0"/>
+              <a:t>Alguma </a:t>
+            </a:r>
+            <a:r>
+              <a:rPr lang="pt-PT" dirty="0"/>
+              <a:t>flexibilidade em termos de conexões.</a:t>
+            </a:r>
+          </a:p>
+          <a:p>
+            <a:r>
+              <a:rPr lang="pt-PT" dirty="0" smtClean="0"/>
+              <a:t>Foram </a:t>
+            </a:r>
+            <a:r>
+              <a:rPr lang="pt-PT" dirty="0"/>
+              <a:t>durante algum </a:t>
+            </a:r>
+            <a:r>
+              <a:rPr lang="pt-PT" dirty="0" smtClean="0"/>
+              <a:t>tempo </a:t>
+            </a:r>
+            <a:r>
+              <a:rPr lang="pt-PT" dirty="0"/>
+              <a:t>bastante utilizados em redes locais.</a:t>
+            </a:r>
+          </a:p>
+          <a:p>
+            <a:endParaRPr lang="pt-PT" dirty="0"/>
+          </a:p>
+        </p:txBody>
+      </p:sp>
+      <p:pic>
+        <p:nvPicPr>
+          <p:cNvPr id="4" name="Imagem 3"/>
+          <p:cNvPicPr>
+            <a:picLocks noChangeAspect="1"/>
+          </p:cNvPicPr>
+          <p:nvPr/>
+        </p:nvPicPr>
+        <p:blipFill>
+          <a:blip r:embed="rId2"/>
+          <a:stretch>
+            <a:fillRect/>
+          </a:stretch>
+        </p:blipFill>
+        <p:spPr>
+          <a:xfrm>
+            <a:off x="8350251" y="4742666"/>
+            <a:ext cx="2466975" cy="1847850"/>
+          </a:xfrm>
+          <a:prstGeom prst="roundRect">
+            <a:avLst>
+              <a:gd name="adj" fmla="val 16667"/>
+            </a:avLst>
+          </a:prstGeom>
+          <a:ln>
+            <a:noFill/>
+          </a:ln>
+          <a:effectLst>
+            <a:outerShdw blurRad="76200" dist="38100" dir="7800000" algn="tl" rotWithShape="0">
+              <a:srgbClr val="000000">
+                <a:alpha val="40000"/>
+              </a:srgbClr>
+            </a:outerShdw>
+          </a:effectLst>
+          <a:scene3d>
+            <a:camera prst="orthographicFront"/>
+            <a:lightRig rig="contrasting" dir="t">
+              <a:rot lat="0" lon="0" rev="4200000"/>
+            </a:lightRig>
+          </a:scene3d>
+          <a:sp3d prstMaterial="plastic">
+            <a:bevelT w="381000" h="114300" prst="relaxedInset"/>
+            <a:contourClr>
+              <a:srgbClr val="969696"/>
+            </a:contourClr>
+          </a:sp3d>
+        </p:spPr>
+      </p:pic>
+    </p:spTree>
+    <p:extLst>
+      <p:ext uri="{BB962C8B-B14F-4D97-AF65-F5344CB8AC3E}">
+        <p14:creationId xmlns:p14="http://schemas.microsoft.com/office/powerpoint/2010/main" val="3284856533"/>
+      </p:ext>
+    </p:extLst>
+  </p:cSld>
+  <p:clrMapOvr>
+    <a:masterClrMapping/>
+  </p:clrMapOvr>
+  <p:timing>
+    <p:tnLst>
+      <p:par>
+        <p:cTn id="1" dur="indefinite" restart="never" nodeType="tmRoot"/>
+      </p:par>
+    </p:tnLst>
+  </p:timing>
+</p:sld>
+</file>
+
+<file path=ppt/slides/slide14.xml><?xml version="1.0" encoding="utf-8"?>
+<p:sld xmlns:a="http://schemas.openxmlformats.org/drawingml/2006/main" xmlns:r="http://schemas.openxmlformats.org/officeDocument/2006/relationships" xmlns:p="http://schemas.openxmlformats.org/presentationml/2006/main">
+  <p:cSld>
+    <p:spTree>
+      <p:nvGrpSpPr>
+        <p:cNvPr id="1" name=""/>
+        <p:cNvGrpSpPr/>
+        <p:nvPr/>
+      </p:nvGrpSpPr>
+      <p:grpSpPr>
+        <a:xfrm>
+          <a:off x="0" y="0"/>
+          <a:ext cx="0" cy="0"/>
+          <a:chOff x="0" y="0"/>
+          <a:chExt cx="0" cy="0"/>
+        </a:xfrm>
+      </p:grpSpPr>
+      <p:sp>
+        <p:nvSpPr>
+          <p:cNvPr id="3" name="Marcador de Posição do Texto 2"/>
+          <p:cNvSpPr>
+            <a:spLocks noGrp="1"/>
+          </p:cNvSpPr>
+          <p:nvPr>
+            <p:ph type="body" idx="1"/>
+          </p:nvPr>
+        </p:nvSpPr>
+        <p:spPr>
+          <a:xfrm>
+            <a:off x="685801" y="486286"/>
+            <a:ext cx="4709054" cy="576262"/>
+          </a:xfrm>
+        </p:spPr>
+        <p:txBody>
+          <a:bodyPr/>
+          <a:lstStyle/>
+          <a:p>
+            <a:r>
+              <a:rPr lang="pt-PT" dirty="0"/>
+              <a:t>Vantagens:</a:t>
+            </a:r>
+          </a:p>
+        </p:txBody>
+      </p:sp>
+      <p:sp>
+        <p:nvSpPr>
+          <p:cNvPr id="4" name="Marcador de Posição de Conteúdo 3"/>
+          <p:cNvSpPr>
+            <a:spLocks noGrp="1"/>
+          </p:cNvSpPr>
+          <p:nvPr>
+            <p:ph sz="half" idx="2"/>
+          </p:nvPr>
+        </p:nvSpPr>
+        <p:spPr>
+          <a:xfrm>
+            <a:off x="685801" y="2162288"/>
+            <a:ext cx="4996923" cy="2710927"/>
+          </a:xfrm>
+        </p:spPr>
+        <p:txBody>
+          <a:bodyPr/>
+          <a:lstStyle/>
+          <a:p>
+            <a:r>
+              <a:rPr lang="pt-PT" dirty="0" smtClean="0"/>
+              <a:t>Fácil </a:t>
+            </a:r>
+            <a:r>
+              <a:rPr lang="pt-PT" dirty="0"/>
+              <a:t>instalação.</a:t>
+            </a:r>
+          </a:p>
+          <a:p>
+            <a:r>
+              <a:rPr lang="pt-PT" dirty="0" smtClean="0"/>
+              <a:t>Barato</a:t>
+            </a:r>
+            <a:r>
+              <a:rPr lang="pt-PT" dirty="0"/>
+              <a:t>.</a:t>
+            </a:r>
+          </a:p>
+          <a:p>
+            <a:r>
+              <a:rPr lang="pt-PT" dirty="0" smtClean="0"/>
+              <a:t>Resistência </a:t>
+            </a:r>
+            <a:r>
+              <a:rPr lang="pt-PT" dirty="0"/>
+              <a:t>a interferências eletromagnéticas.</a:t>
+            </a:r>
+          </a:p>
+          <a:p>
+            <a:r>
+              <a:rPr lang="pt-PT" dirty="0" smtClean="0"/>
+              <a:t>Taxas </a:t>
+            </a:r>
+            <a:r>
+              <a:rPr lang="pt-PT" dirty="0"/>
+              <a:t>de transmissão razoáveis.</a:t>
+            </a:r>
+          </a:p>
+          <a:p>
+            <a:r>
+              <a:rPr lang="pt-PT" dirty="0" smtClean="0"/>
+              <a:t>Flexibilidade</a:t>
+            </a:r>
+            <a:r>
+              <a:rPr lang="pt-PT" dirty="0"/>
+              <a:t>.</a:t>
+            </a:r>
+          </a:p>
+          <a:p>
+            <a:endParaRPr lang="pt-PT" dirty="0"/>
+          </a:p>
+        </p:txBody>
+      </p:sp>
+      <p:sp>
+        <p:nvSpPr>
+          <p:cNvPr id="5" name="Marcador de Posição do Texto 4"/>
+          <p:cNvSpPr>
+            <a:spLocks noGrp="1"/>
+          </p:cNvSpPr>
+          <p:nvPr>
+            <p:ph type="body" sz="quarter" idx="3"/>
+          </p:nvPr>
+        </p:nvSpPr>
+        <p:spPr>
+          <a:xfrm>
+            <a:off x="6096004" y="486286"/>
+            <a:ext cx="4722813" cy="576262"/>
+          </a:xfrm>
+        </p:spPr>
+        <p:txBody>
+          <a:bodyPr/>
+          <a:lstStyle/>
+          <a:p>
+            <a:r>
+              <a:rPr lang="pt-PT" dirty="0"/>
+              <a:t>Desvantagens:</a:t>
+            </a:r>
+          </a:p>
+        </p:txBody>
+      </p:sp>
+      <p:sp>
+        <p:nvSpPr>
+          <p:cNvPr id="6" name="Marcador de Posição de Conteúdo 5"/>
+          <p:cNvSpPr>
+            <a:spLocks noGrp="1"/>
+          </p:cNvSpPr>
+          <p:nvPr>
+            <p:ph sz="quarter" idx="4"/>
+          </p:nvPr>
+        </p:nvSpPr>
+        <p:spPr>
+          <a:xfrm>
+            <a:off x="5823483" y="2162288"/>
+            <a:ext cx="4995334" cy="2667896"/>
+          </a:xfrm>
+        </p:spPr>
+        <p:txBody>
+          <a:bodyPr/>
+          <a:lstStyle/>
+          <a:p>
+            <a:r>
+              <a:rPr lang="pt-PT" dirty="0" smtClean="0"/>
+              <a:t>Mau </a:t>
+            </a:r>
+            <a:r>
+              <a:rPr lang="pt-PT" dirty="0"/>
+              <a:t>contacto.</a:t>
+            </a:r>
+          </a:p>
+          <a:p>
+            <a:r>
+              <a:rPr lang="pt-PT" dirty="0" smtClean="0"/>
+              <a:t>Difícil </a:t>
+            </a:r>
+            <a:r>
+              <a:rPr lang="pt-PT" dirty="0"/>
+              <a:t>manipulação.</a:t>
+            </a:r>
+          </a:p>
+          <a:p>
+            <a:r>
+              <a:rPr lang="pt-PT" dirty="0" smtClean="0"/>
+              <a:t>Lento </a:t>
+            </a:r>
+            <a:r>
+              <a:rPr lang="pt-PT" dirty="0"/>
+              <a:t>para muitos micros.</a:t>
+            </a:r>
+          </a:p>
+          <a:p>
+            <a:r>
+              <a:rPr lang="pt-PT" dirty="0" smtClean="0"/>
+              <a:t>Em </a:t>
+            </a:r>
+            <a:r>
+              <a:rPr lang="pt-PT" dirty="0"/>
+              <a:t>geral utilizado em topologia Bus.</a:t>
+            </a:r>
+          </a:p>
+          <a:p>
+            <a:endParaRPr lang="pt-PT" dirty="0"/>
+          </a:p>
+        </p:txBody>
+      </p:sp>
+    </p:spTree>
+    <p:extLst>
+      <p:ext uri="{BB962C8B-B14F-4D97-AF65-F5344CB8AC3E}">
+        <p14:creationId xmlns:p14="http://schemas.microsoft.com/office/powerpoint/2010/main" val="2748182974"/>
+      </p:ext>
+    </p:extLst>
+  </p:cSld>
+  <p:clrMapOvr>
+    <a:masterClrMapping/>
+  </p:clrMapOvr>
+  <p:timing>
+    <p:tnLst>
+      <p:par>
+        <p:cTn id="1" dur="indefinite" restart="never" nodeType="tmRoot"/>
+      </p:par>
+    </p:tnLst>
+  </p:timing>
+</p:sld>
+</file>
+
+<file path=ppt/slides/slide15.xml><?xml version="1.0" encoding="utf-8"?>
+<p:sld xmlns:a="http://schemas.openxmlformats.org/drawingml/2006/main" xmlns:r="http://schemas.openxmlformats.org/officeDocument/2006/relationships" xmlns:p="http://schemas.openxmlformats.org/presentationml/2006/main">
+  <p:cSld>
+    <p:spTree>
+      <p:nvGrpSpPr>
+        <p:cNvPr id="1" name=""/>
+        <p:cNvGrpSpPr/>
+        <p:nvPr/>
+      </p:nvGrpSpPr>
+      <p:grpSpPr>
+        <a:xfrm>
+          <a:off x="0" y="0"/>
+          <a:ext cx="0" cy="0"/>
+          <a:chOff x="0" y="0"/>
+          <a:chExt cx="0" cy="0"/>
+        </a:xfrm>
+      </p:grpSpPr>
+      <p:sp>
+        <p:nvSpPr>
+          <p:cNvPr id="2" name="Título 1"/>
+          <p:cNvSpPr>
+            <a:spLocks noGrp="1"/>
+          </p:cNvSpPr>
+          <p:nvPr>
+            <p:ph type="title"/>
+          </p:nvPr>
+        </p:nvSpPr>
+        <p:spPr/>
+        <p:txBody>
+          <a:bodyPr/>
+          <a:lstStyle/>
+          <a:p>
+            <a:r>
+              <a:rPr lang="pt-PT" dirty="0"/>
+              <a:t>Cabos de fibra ótica</a:t>
+            </a:r>
+          </a:p>
+        </p:txBody>
+      </p:sp>
+      <p:sp>
+        <p:nvSpPr>
+          <p:cNvPr id="3" name="Marcador de Posição de Conteúdo 2"/>
+          <p:cNvSpPr>
+            <a:spLocks noGrp="1"/>
+          </p:cNvSpPr>
+          <p:nvPr>
+            <p:ph sz="half" idx="1"/>
+          </p:nvPr>
+        </p:nvSpPr>
+        <p:spPr/>
+        <p:txBody>
+          <a:bodyPr>
+            <a:normAutofit fontScale="92500" lnSpcReduction="10000"/>
+          </a:bodyPr>
+          <a:lstStyle/>
+          <a:p>
+            <a:r>
+              <a:rPr lang="pt-PT" dirty="0"/>
+              <a:t>Os cabos de fibra ótica transmitem os dados através de sinais óticos  (fotões), em vez de sinais elétricos  (eletrões).</a:t>
+            </a:r>
+          </a:p>
+          <a:p>
+            <a:r>
+              <a:rPr lang="pt-PT" dirty="0"/>
+              <a:t>C</a:t>
+            </a:r>
+            <a:r>
+              <a:rPr lang="pt-PT" dirty="0" smtClean="0"/>
+              <a:t>onsistem </a:t>
+            </a:r>
+            <a:r>
+              <a:rPr lang="pt-PT" dirty="0"/>
+              <a:t>em núcleos de fibras de vidro ou plástico especial (dióxido de sílica puro); essas fibras são rodeadas por um revestimento (</a:t>
+            </a:r>
+            <a:r>
+              <a:rPr lang="pt-PT" dirty="0" err="1"/>
+              <a:t>cladding</a:t>
+            </a:r>
+            <a:r>
+              <a:rPr lang="pt-PT" dirty="0"/>
+              <a:t>); o conjunto é protegido por um revestimento externo.</a:t>
+            </a:r>
+          </a:p>
+          <a:p>
+            <a:r>
+              <a:rPr lang="pt-PT" dirty="0"/>
+              <a:t>Os sinais luminosos são transmitidos no interior das fibras incluídas no núcleo, mas com a contribuição do revestimento, que reflete a luz de modo a que ela seja transmitida através da fibra, com um reduzido índice de perda ou dissipação.</a:t>
+            </a:r>
+          </a:p>
+          <a:p>
+            <a:endParaRPr lang="pt-PT" dirty="0"/>
+          </a:p>
+        </p:txBody>
+      </p:sp>
+      <p:sp>
+        <p:nvSpPr>
+          <p:cNvPr id="4" name="Marcador de Posição de Conteúdo 3"/>
+          <p:cNvSpPr>
+            <a:spLocks noGrp="1"/>
+          </p:cNvSpPr>
+          <p:nvPr>
+            <p:ph sz="half" idx="2"/>
+          </p:nvPr>
+        </p:nvSpPr>
+        <p:spPr>
+          <a:xfrm>
+            <a:off x="5681136" y="2065867"/>
+            <a:ext cx="5136090" cy="4026947"/>
+          </a:xfrm>
+        </p:spPr>
+        <p:txBody>
+          <a:bodyPr>
+            <a:normAutofit fontScale="92500" lnSpcReduction="10000"/>
+          </a:bodyPr>
+          <a:lstStyle/>
+          <a:p>
+            <a:r>
+              <a:rPr lang="pt-PT" dirty="0" smtClean="0"/>
+              <a:t>As </a:t>
+            </a:r>
+            <a:r>
+              <a:rPr lang="pt-PT" dirty="0"/>
+              <a:t>fibras óticas possuem características que as tornam num excelente meio para a transmissão de dados (sinais digitais), porque:  É completamente </a:t>
+            </a:r>
+            <a:r>
+              <a:rPr lang="pt-PT" dirty="0" smtClean="0"/>
+              <a:t>imune </a:t>
+            </a:r>
+            <a:r>
+              <a:rPr lang="pt-PT" dirty="0"/>
+              <a:t>a </a:t>
+            </a:r>
+            <a:r>
+              <a:rPr lang="pt-PT" dirty="0" smtClean="0"/>
+              <a:t>interferências </a:t>
+            </a:r>
+            <a:r>
+              <a:rPr lang="pt-PT" dirty="0"/>
+              <a:t>eletromagnéticas</a:t>
+            </a:r>
+            <a:r>
+              <a:rPr lang="pt-PT" dirty="0" smtClean="0"/>
+              <a:t>.</a:t>
+            </a:r>
+          </a:p>
+          <a:p>
+            <a:r>
+              <a:rPr lang="pt-PT" dirty="0" smtClean="0"/>
+              <a:t>Permite </a:t>
+            </a:r>
+            <a:r>
+              <a:rPr lang="pt-PT" dirty="0"/>
+              <a:t>transportar os sinais digitais sem perdas através de distâncias superiores às conseguidas por outro tipo de cabos.</a:t>
+            </a:r>
+          </a:p>
+          <a:p>
+            <a:r>
+              <a:rPr lang="pt-PT" dirty="0" smtClean="0"/>
+              <a:t>Proporciona </a:t>
+            </a:r>
+            <a:r>
+              <a:rPr lang="pt-PT" dirty="0"/>
+              <a:t>taxas de transmissão mais elevadas que qualquer outro meio.</a:t>
+            </a:r>
+          </a:p>
+          <a:p>
+            <a:r>
+              <a:rPr lang="pt-PT" dirty="0" smtClean="0"/>
+              <a:t>As </a:t>
+            </a:r>
+            <a:r>
+              <a:rPr lang="pt-PT" dirty="0"/>
+              <a:t>fibras podem ser agrupadas em número elevado num mesmo cabo, mantendo uma espessura reduzida (por exemplo 1 000 fibras por cabo).</a:t>
+            </a:r>
+          </a:p>
+          <a:p>
+            <a:endParaRPr lang="pt-PT" dirty="0"/>
+          </a:p>
+          <a:p>
+            <a:endParaRPr lang="pt-PT" dirty="0"/>
+          </a:p>
+        </p:txBody>
+      </p:sp>
+    </p:spTree>
+    <p:extLst>
+      <p:ext uri="{BB962C8B-B14F-4D97-AF65-F5344CB8AC3E}">
+        <p14:creationId xmlns:p14="http://schemas.microsoft.com/office/powerpoint/2010/main" val="2781245470"/>
+      </p:ext>
+    </p:extLst>
+  </p:cSld>
+  <p:clrMapOvr>
+    <a:masterClrMapping/>
+  </p:clrMapOvr>
+  <p:timing>
+    <p:tnLst>
+      <p:par>
+        <p:cTn id="1" dur="indefinite" restart="never" nodeType="tmRoot"/>
+      </p:par>
+    </p:tnLst>
+  </p:timing>
+</p:sld>
+</file>
+
+<file path=ppt/slides/slide16.xml><?xml version="1.0" encoding="utf-8"?>
+<p:sld xmlns:a="http://schemas.openxmlformats.org/drawingml/2006/main" xmlns:r="http://schemas.openxmlformats.org/officeDocument/2006/relationships" xmlns:p="http://schemas.openxmlformats.org/presentationml/2006/main">
+  <p:cSld>
+    <p:spTree>
+      <p:nvGrpSpPr>
+        <p:cNvPr id="1" name=""/>
+        <p:cNvGrpSpPr/>
+        <p:nvPr/>
+      </p:nvGrpSpPr>
+      <p:grpSpPr>
+        <a:xfrm>
+          <a:off x="0" y="0"/>
+          <a:ext cx="0" cy="0"/>
+          <a:chOff x="0" y="0"/>
+          <a:chExt cx="0" cy="0"/>
+        </a:xfrm>
+      </p:grpSpPr>
+      <p:sp>
+        <p:nvSpPr>
+          <p:cNvPr id="3" name="Marcador de Posição do Texto 2"/>
+          <p:cNvSpPr>
+            <a:spLocks noGrp="1"/>
+          </p:cNvSpPr>
+          <p:nvPr>
+            <p:ph type="body" idx="1"/>
+          </p:nvPr>
+        </p:nvSpPr>
+        <p:spPr>
+          <a:xfrm>
+            <a:off x="685801" y="938107"/>
+            <a:ext cx="4709054" cy="576262"/>
+          </a:xfrm>
+        </p:spPr>
+        <p:txBody>
+          <a:bodyPr/>
+          <a:lstStyle/>
+          <a:p>
+            <a:r>
+              <a:rPr lang="pt-PT" dirty="0"/>
+              <a:t>Vantagens:</a:t>
+            </a:r>
+          </a:p>
+        </p:txBody>
+      </p:sp>
+      <p:sp>
+        <p:nvSpPr>
+          <p:cNvPr id="4" name="Marcador de Posição de Conteúdo 3"/>
+          <p:cNvSpPr>
+            <a:spLocks noGrp="1"/>
+          </p:cNvSpPr>
+          <p:nvPr>
+            <p:ph sz="half" idx="2"/>
+          </p:nvPr>
+        </p:nvSpPr>
+        <p:spPr>
+          <a:xfrm>
+            <a:off x="685801" y="2127923"/>
+            <a:ext cx="4996923" cy="2920998"/>
+          </a:xfrm>
+        </p:spPr>
+        <p:txBody>
+          <a:bodyPr/>
+          <a:lstStyle/>
+          <a:p>
+            <a:r>
+              <a:rPr lang="pt-PT" dirty="0" smtClean="0"/>
+              <a:t>Enorme </a:t>
+            </a:r>
+            <a:r>
+              <a:rPr lang="pt-PT" dirty="0"/>
+              <a:t>velocidade de transmissão.</a:t>
+            </a:r>
+          </a:p>
+          <a:p>
+            <a:r>
+              <a:rPr lang="pt-PT" dirty="0" smtClean="0"/>
+              <a:t>Imunes </a:t>
+            </a:r>
+            <a:r>
+              <a:rPr lang="pt-PT" dirty="0"/>
+              <a:t>a interferências eletromagnéticas.</a:t>
+            </a:r>
+          </a:p>
+          <a:p>
+            <a:r>
+              <a:rPr lang="pt-PT" dirty="0" smtClean="0"/>
+              <a:t>Menor  </a:t>
+            </a:r>
+            <a:r>
+              <a:rPr lang="pt-PT" dirty="0"/>
+              <a:t>perda de sinal.</a:t>
+            </a:r>
+          </a:p>
+          <a:p>
+            <a:r>
+              <a:rPr lang="pt-PT" dirty="0" smtClean="0"/>
+              <a:t>Maiores </a:t>
+            </a:r>
+            <a:r>
+              <a:rPr lang="pt-PT" dirty="0"/>
+              <a:t>distâncias sem necessidade de repetidores.</a:t>
+            </a:r>
+          </a:p>
+          <a:p>
+            <a:r>
+              <a:rPr lang="pt-PT" dirty="0" smtClean="0"/>
+              <a:t>Alta </a:t>
+            </a:r>
+            <a:r>
+              <a:rPr lang="pt-PT" dirty="0"/>
+              <a:t>taxa de transferência.</a:t>
+            </a:r>
+          </a:p>
+          <a:p>
+            <a:r>
+              <a:rPr lang="pt-PT" dirty="0" smtClean="0"/>
+              <a:t>Espessura </a:t>
+            </a:r>
+            <a:r>
+              <a:rPr lang="pt-PT" dirty="0"/>
+              <a:t>mais fina, mais leves.</a:t>
+            </a:r>
+          </a:p>
+          <a:p>
+            <a:endParaRPr lang="pt-PT" dirty="0"/>
+          </a:p>
+        </p:txBody>
+      </p:sp>
+      <p:sp>
+        <p:nvSpPr>
+          <p:cNvPr id="5" name="Marcador de Posição do Texto 4"/>
+          <p:cNvSpPr>
+            <a:spLocks noGrp="1"/>
+          </p:cNvSpPr>
+          <p:nvPr>
+            <p:ph type="body" sz="quarter" idx="3"/>
+          </p:nvPr>
+        </p:nvSpPr>
+        <p:spPr>
+          <a:xfrm>
+            <a:off x="6096004" y="938107"/>
+            <a:ext cx="4722813" cy="576262"/>
+          </a:xfrm>
+        </p:spPr>
+        <p:txBody>
+          <a:bodyPr/>
+          <a:lstStyle/>
+          <a:p>
+            <a:r>
+              <a:rPr lang="pt-PT" dirty="0"/>
+              <a:t>Desvantagens:</a:t>
+            </a:r>
+          </a:p>
+        </p:txBody>
+      </p:sp>
+      <p:sp>
+        <p:nvSpPr>
+          <p:cNvPr id="6" name="Marcador de Posição de Conteúdo 5"/>
+          <p:cNvSpPr>
+            <a:spLocks noGrp="1"/>
+          </p:cNvSpPr>
+          <p:nvPr>
+            <p:ph sz="quarter" idx="4"/>
+          </p:nvPr>
+        </p:nvSpPr>
+        <p:spPr>
+          <a:xfrm>
+            <a:off x="5823483" y="2127923"/>
+            <a:ext cx="4995334" cy="2920998"/>
+          </a:xfrm>
+        </p:spPr>
+        <p:txBody>
+          <a:bodyPr/>
+          <a:lstStyle/>
+          <a:p>
+            <a:r>
+              <a:rPr lang="pt-PT" dirty="0" smtClean="0"/>
+              <a:t>Muito </a:t>
+            </a:r>
+            <a:r>
+              <a:rPr lang="pt-PT" dirty="0"/>
+              <a:t>caro (cabos, acessórios, mão de obra).</a:t>
+            </a:r>
+          </a:p>
+          <a:p>
+            <a:r>
+              <a:rPr lang="pt-PT" dirty="0" smtClean="0"/>
+              <a:t>Difícil </a:t>
+            </a:r>
+            <a:r>
+              <a:rPr lang="pt-PT" dirty="0"/>
+              <a:t>de instalar.</a:t>
+            </a:r>
+          </a:p>
+          <a:p>
+            <a:r>
+              <a:rPr lang="pt-PT" dirty="0" smtClean="0"/>
+              <a:t>Quebra </a:t>
+            </a:r>
+            <a:r>
+              <a:rPr lang="pt-PT" dirty="0"/>
+              <a:t>com facilidade. </a:t>
+            </a:r>
+          </a:p>
+          <a:p>
+            <a:r>
+              <a:rPr lang="pt-PT" dirty="0" smtClean="0"/>
+              <a:t>Difícil </a:t>
+            </a:r>
+            <a:r>
+              <a:rPr lang="pt-PT" dirty="0"/>
+              <a:t>de ser remendado.</a:t>
+            </a:r>
+          </a:p>
+          <a:p>
+            <a:r>
+              <a:rPr lang="pt-PT" dirty="0" smtClean="0"/>
+              <a:t>Injustificada </a:t>
+            </a:r>
+            <a:r>
+              <a:rPr lang="pt-PT" dirty="0"/>
+              <a:t>a utilização em redes locais.</a:t>
+            </a:r>
+          </a:p>
+          <a:p>
+            <a:endParaRPr lang="pt-PT" dirty="0"/>
+          </a:p>
+        </p:txBody>
+      </p:sp>
+      <p:pic>
+        <p:nvPicPr>
+          <p:cNvPr id="7" name="Imagem 6"/>
+          <p:cNvPicPr>
+            <a:picLocks noChangeAspect="1"/>
+          </p:cNvPicPr>
+          <p:nvPr/>
+        </p:nvPicPr>
+        <p:blipFill>
+          <a:blip r:embed="rId2"/>
+          <a:stretch>
+            <a:fillRect/>
+          </a:stretch>
+        </p:blipFill>
+        <p:spPr>
+          <a:xfrm>
+            <a:off x="6477503" y="4938575"/>
+            <a:ext cx="3152775" cy="1447800"/>
+          </a:xfrm>
+          <a:prstGeom prst="roundRect">
+            <a:avLst>
+              <a:gd name="adj" fmla="val 16667"/>
+            </a:avLst>
+          </a:prstGeom>
+          <a:ln>
+            <a:noFill/>
+          </a:ln>
+          <a:effectLst>
+            <a:outerShdw blurRad="76200" dist="38100" dir="7800000" algn="tl" rotWithShape="0">
+              <a:srgbClr val="000000">
+                <a:alpha val="40000"/>
+              </a:srgbClr>
+            </a:outerShdw>
+          </a:effectLst>
+          <a:scene3d>
+            <a:camera prst="orthographicFront"/>
+            <a:lightRig rig="contrasting" dir="t">
+              <a:rot lat="0" lon="0" rev="4200000"/>
+            </a:lightRig>
+          </a:scene3d>
+          <a:sp3d prstMaterial="plastic">
+            <a:bevelT w="381000" h="114300" prst="relaxedInset"/>
+            <a:contourClr>
+              <a:srgbClr val="969696"/>
+            </a:contourClr>
+          </a:sp3d>
+        </p:spPr>
+      </p:pic>
+    </p:spTree>
+    <p:extLst>
+      <p:ext uri="{BB962C8B-B14F-4D97-AF65-F5344CB8AC3E}">
+        <p14:creationId xmlns:p14="http://schemas.microsoft.com/office/powerpoint/2010/main" val="1150428901"/>
+      </p:ext>
+    </p:extLst>
+  </p:cSld>
+  <p:clrMapOvr>
+    <a:masterClrMapping/>
+  </p:clrMapOvr>
+  <p:timing>
+    <p:tnLst>
+      <p:par>
+        <p:cTn id="1" dur="indefinite" restart="never" nodeType="tmRoot"/>
+      </p:par>
+    </p:tnLst>
+  </p:timing>
+</p:sld>
+</file>
+
+<file path=ppt/slides/slide17.xml><?xml version="1.0" encoding="utf-8"?>
+<p:sld xmlns:a="http://schemas.openxmlformats.org/drawingml/2006/main" xmlns:r="http://schemas.openxmlformats.org/officeDocument/2006/relationships" xmlns:p="http://schemas.openxmlformats.org/presentationml/2006/main">
+  <p:cSld>
+    <p:spTree>
+      <p:nvGrpSpPr>
+        <p:cNvPr id="1" name=""/>
+        <p:cNvGrpSpPr/>
+        <p:nvPr/>
+      </p:nvGrpSpPr>
+      <p:grpSpPr>
+        <a:xfrm>
+          <a:off x="0" y="0"/>
+          <a:ext cx="0" cy="0"/>
+          <a:chOff x="0" y="0"/>
+          <a:chExt cx="0" cy="0"/>
+        </a:xfrm>
+      </p:grpSpPr>
+      <p:sp>
+        <p:nvSpPr>
+          <p:cNvPr id="2" name="Título 1"/>
+          <p:cNvSpPr>
+            <a:spLocks noGrp="1"/>
+          </p:cNvSpPr>
+          <p:nvPr>
+            <p:ph type="title"/>
+          </p:nvPr>
+        </p:nvSpPr>
+        <p:spPr>
+          <a:xfrm>
+            <a:off x="1105349" y="2642795"/>
+            <a:ext cx="10131425" cy="1456267"/>
+          </a:xfrm>
+        </p:spPr>
+        <p:txBody>
+          <a:bodyPr/>
+          <a:lstStyle/>
+          <a:p>
+            <a:pPr algn="ctr"/>
+            <a:r>
+              <a:rPr lang="pt-PT" dirty="0"/>
+              <a:t>Tipos de rede</a:t>
+            </a:r>
+          </a:p>
+        </p:txBody>
+      </p:sp>
+    </p:spTree>
+    <p:extLst>
+      <p:ext uri="{BB962C8B-B14F-4D97-AF65-F5344CB8AC3E}">
+        <p14:creationId xmlns:p14="http://schemas.microsoft.com/office/powerpoint/2010/main" val="2046050342"/>
+      </p:ext>
+    </p:extLst>
+  </p:cSld>
+  <p:clrMapOvr>
+    <a:masterClrMapping/>
+  </p:clrMapOvr>
+  <p:timing>
+    <p:tnLst>
+      <p:par>
+        <p:cTn id="1" dur="indefinite" restart="never" nodeType="tmRoot"/>
+      </p:par>
+    </p:tnLst>
+  </p:timing>
+</p:sld>
+</file>
+
+<file path=ppt/slides/slide18.xml><?xml version="1.0" encoding="utf-8"?>
+<p:sld xmlns:a="http://schemas.openxmlformats.org/drawingml/2006/main" xmlns:r="http://schemas.openxmlformats.org/officeDocument/2006/relationships" xmlns:p="http://schemas.openxmlformats.org/presentationml/2006/main">
+  <p:cSld>
+    <p:spTree>
+      <p:nvGrpSpPr>
+        <p:cNvPr id="1" name=""/>
+        <p:cNvGrpSpPr/>
+        <p:nvPr/>
+      </p:nvGrpSpPr>
+      <p:grpSpPr>
+        <a:xfrm>
+          <a:off x="0" y="0"/>
+          <a:ext cx="0" cy="0"/>
+          <a:chOff x="0" y="0"/>
+          <a:chExt cx="0" cy="0"/>
+        </a:xfrm>
+      </p:grpSpPr>
+      <p:sp>
+        <p:nvSpPr>
+          <p:cNvPr id="2" name="Título 1"/>
+          <p:cNvSpPr>
+            <a:spLocks noGrp="1"/>
+          </p:cNvSpPr>
+          <p:nvPr>
+            <p:ph type="title"/>
+          </p:nvPr>
+        </p:nvSpPr>
+        <p:spPr/>
+        <p:txBody>
+          <a:bodyPr/>
+          <a:lstStyle/>
+          <a:p>
+            <a:r>
+              <a:rPr lang="pt-PT" dirty="0"/>
+              <a:t>LAN – Rede Local</a:t>
+            </a:r>
+            <a:br>
+              <a:rPr lang="pt-PT" dirty="0"/>
+            </a:br>
+            <a:endParaRPr lang="pt-PT" dirty="0"/>
+          </a:p>
+        </p:txBody>
+      </p:sp>
+      <p:sp>
+        <p:nvSpPr>
+          <p:cNvPr id="3" name="Marcador de Posição de Conteúdo 2"/>
+          <p:cNvSpPr>
+            <a:spLocks noGrp="1"/>
+          </p:cNvSpPr>
+          <p:nvPr>
+            <p:ph idx="1"/>
+          </p:nvPr>
+        </p:nvSpPr>
+        <p:spPr/>
+        <p:txBody>
+          <a:bodyPr/>
+          <a:lstStyle/>
+          <a:p>
+            <a:r>
+              <a:rPr lang="pt-PT" dirty="0" smtClean="0"/>
+              <a:t>As </a:t>
+            </a:r>
+            <a:r>
+              <a:rPr lang="pt-PT" dirty="0"/>
+              <a:t>chamadas Local </a:t>
+            </a:r>
+            <a:r>
+              <a:rPr lang="pt-PT" dirty="0" err="1"/>
+              <a:t>Area</a:t>
+            </a:r>
+            <a:r>
+              <a:rPr lang="pt-PT" dirty="0"/>
+              <a:t> Networks, ou Redes Locais, interligam computadores presentes dentro de um mesmo espaço físico. Isso pode acontecer dentro de uma empresa, de uma escola ou dentro da sua própria casa, sendo possível a troca de informações e recursos entre os dispositivos participantes.</a:t>
+            </a:r>
+          </a:p>
+          <a:p>
+            <a:endParaRPr lang="pt-PT" dirty="0"/>
+          </a:p>
+        </p:txBody>
+      </p:sp>
+      <p:pic>
+        <p:nvPicPr>
+          <p:cNvPr id="4" name="Imagem 3"/>
+          <p:cNvPicPr>
+            <a:picLocks noChangeAspect="1"/>
+          </p:cNvPicPr>
+          <p:nvPr/>
+        </p:nvPicPr>
+        <p:blipFill>
+          <a:blip r:embed="rId2"/>
+          <a:stretch>
+            <a:fillRect/>
+          </a:stretch>
+        </p:blipFill>
+        <p:spPr>
+          <a:xfrm>
+            <a:off x="8140065" y="4509135"/>
+            <a:ext cx="2495550" cy="2228850"/>
+          </a:xfrm>
+          <a:prstGeom prst="roundRect">
+            <a:avLst>
+              <a:gd name="adj" fmla="val 16667"/>
+            </a:avLst>
+          </a:prstGeom>
+          <a:ln>
+            <a:noFill/>
+          </a:ln>
+          <a:effectLst>
+            <a:outerShdw blurRad="76200" dist="38100" dir="7800000" algn="tl" rotWithShape="0">
+              <a:srgbClr val="000000">
+                <a:alpha val="40000"/>
+              </a:srgbClr>
+            </a:outerShdw>
+          </a:effectLst>
+          <a:scene3d>
+            <a:camera prst="orthographicFront"/>
+            <a:lightRig rig="contrasting" dir="t">
+              <a:rot lat="0" lon="0" rev="4200000"/>
+            </a:lightRig>
+          </a:scene3d>
+          <a:sp3d prstMaterial="plastic">
+            <a:bevelT w="381000" h="114300" prst="relaxedInset"/>
+            <a:contourClr>
+              <a:srgbClr val="969696"/>
+            </a:contourClr>
+          </a:sp3d>
+        </p:spPr>
+      </p:pic>
+    </p:spTree>
+    <p:extLst>
+      <p:ext uri="{BB962C8B-B14F-4D97-AF65-F5344CB8AC3E}">
+        <p14:creationId xmlns:p14="http://schemas.microsoft.com/office/powerpoint/2010/main" val="1498045125"/>
+      </p:ext>
+    </p:extLst>
+  </p:cSld>
+  <p:clrMapOvr>
+    <a:masterClrMapping/>
+  </p:clrMapOvr>
+</p:sld>
+</file>
+
+<file path=ppt/slides/slide19.xml><?xml version="1.0" encoding="utf-8"?>
+<p:sld xmlns:a="http://schemas.openxmlformats.org/drawingml/2006/main" xmlns:r="http://schemas.openxmlformats.org/officeDocument/2006/relationships" xmlns:p="http://schemas.openxmlformats.org/presentationml/2006/main">
+  <p:cSld>
+    <p:spTree>
+      <p:nvGrpSpPr>
+        <p:cNvPr id="1" name=""/>
+        <p:cNvGrpSpPr/>
+        <p:nvPr/>
+      </p:nvGrpSpPr>
+      <p:grpSpPr>
+        <a:xfrm>
+          <a:off x="0" y="0"/>
+          <a:ext cx="0" cy="0"/>
+          <a:chOff x="0" y="0"/>
+          <a:chExt cx="0" cy="0"/>
+        </a:xfrm>
+      </p:grpSpPr>
+      <p:sp>
+        <p:nvSpPr>
+          <p:cNvPr id="2" name="Título 1"/>
+          <p:cNvSpPr>
+            <a:spLocks noGrp="1"/>
+          </p:cNvSpPr>
+          <p:nvPr>
+            <p:ph type="title"/>
+          </p:nvPr>
+        </p:nvSpPr>
+        <p:spPr/>
+        <p:txBody>
+          <a:bodyPr/>
+          <a:lstStyle/>
+          <a:p>
+            <a:r>
+              <a:rPr lang="pt-PT" dirty="0"/>
+              <a:t>MAN – Rede Metropolitana</a:t>
+            </a:r>
+            <a:br>
+              <a:rPr lang="pt-PT" dirty="0"/>
+            </a:br>
+            <a:endParaRPr lang="pt-PT" dirty="0"/>
+          </a:p>
+        </p:txBody>
+      </p:sp>
+      <p:sp>
+        <p:nvSpPr>
+          <p:cNvPr id="3" name="Marcador de Posição de Conteúdo 2"/>
+          <p:cNvSpPr>
+            <a:spLocks noGrp="1"/>
+          </p:cNvSpPr>
+          <p:nvPr>
+            <p:ph idx="1"/>
+          </p:nvPr>
+        </p:nvSpPr>
+        <p:spPr/>
+        <p:txBody>
+          <a:bodyPr/>
+          <a:lstStyle/>
+          <a:p>
+            <a:r>
+              <a:rPr lang="pt-PT" dirty="0" smtClean="0"/>
+              <a:t>Imaginemos</a:t>
+            </a:r>
+            <a:r>
+              <a:rPr lang="pt-PT" dirty="0"/>
+              <a:t>, por exemplo, que uma empresa possui dois escritórios em uma mesma cidade e deseja que os computadores permaneçam interligados. Para isso existe a </a:t>
+            </a:r>
+            <a:r>
+              <a:rPr lang="pt-PT" dirty="0" err="1"/>
+              <a:t>Metropolitan</a:t>
+            </a:r>
+            <a:r>
+              <a:rPr lang="pt-PT" dirty="0"/>
+              <a:t> </a:t>
+            </a:r>
+            <a:r>
+              <a:rPr lang="pt-PT" dirty="0" err="1"/>
+              <a:t>Area</a:t>
+            </a:r>
+            <a:r>
+              <a:rPr lang="pt-PT" dirty="0"/>
+              <a:t> Network, ou Rede Metropolitana, que conecta diversas Redes Locais dentro de algumas dezenas de quilômetros.</a:t>
+            </a:r>
+          </a:p>
+          <a:p>
+            <a:endParaRPr lang="pt-PT" dirty="0"/>
+          </a:p>
+        </p:txBody>
+      </p:sp>
+      <p:pic>
+        <p:nvPicPr>
+          <p:cNvPr id="4" name="Imagem 3"/>
+          <p:cNvPicPr>
+            <a:picLocks noChangeAspect="1"/>
+          </p:cNvPicPr>
+          <p:nvPr/>
+        </p:nvPicPr>
+        <p:blipFill>
+          <a:blip r:embed="rId2"/>
+          <a:stretch>
+            <a:fillRect/>
+          </a:stretch>
+        </p:blipFill>
+        <p:spPr>
+          <a:xfrm>
+            <a:off x="7708134" y="4553229"/>
+            <a:ext cx="2886075" cy="2162175"/>
+          </a:xfrm>
+          <a:prstGeom prst="roundRect">
+            <a:avLst>
+              <a:gd name="adj" fmla="val 16667"/>
+            </a:avLst>
+          </a:prstGeom>
+          <a:ln>
+            <a:noFill/>
+          </a:ln>
+          <a:effectLst>
+            <a:outerShdw blurRad="76200" dist="38100" dir="7800000" algn="tl" rotWithShape="0">
+              <a:srgbClr val="000000">
+                <a:alpha val="40000"/>
+              </a:srgbClr>
+            </a:outerShdw>
+          </a:effectLst>
+          <a:scene3d>
+            <a:camera prst="orthographicFront"/>
+            <a:lightRig rig="contrasting" dir="t">
+              <a:rot lat="0" lon="0" rev="4200000"/>
+            </a:lightRig>
+          </a:scene3d>
+          <a:sp3d prstMaterial="plastic">
+            <a:bevelT w="381000" h="114300" prst="relaxedInset"/>
+            <a:contourClr>
+              <a:srgbClr val="969696"/>
+            </a:contourClr>
+          </a:sp3d>
+        </p:spPr>
+      </p:pic>
+    </p:spTree>
+    <p:extLst>
+      <p:ext uri="{BB962C8B-B14F-4D97-AF65-F5344CB8AC3E}">
+        <p14:creationId xmlns:p14="http://schemas.microsoft.com/office/powerpoint/2010/main" val="4256633113"/>
       </p:ext>
     </p:extLst>
   </p:cSld>
@@ -5874,12 +7810,322 @@
           <a:lstStyle/>
           <a:p>
             <a:r>
-              <a:rPr lang="pt-PT" dirty="0"/>
-              <a:t>Tipos de cabos de rede</a:t>
+              <a:rPr lang="pt-PT" dirty="0" smtClean="0"/>
+              <a:t>Tipos de cabo de rede (categorias)</a:t>
+            </a:r>
+            <a:endParaRPr lang="pt-PT" dirty="0"/>
+          </a:p>
+        </p:txBody>
+      </p:sp>
+      <p:sp>
+        <p:nvSpPr>
+          <p:cNvPr id="3" name="Marcador de Posição de Conteúdo 2"/>
+          <p:cNvSpPr>
+            <a:spLocks noGrp="1"/>
+          </p:cNvSpPr>
+          <p:nvPr>
+            <p:ph idx="1"/>
+          </p:nvPr>
+        </p:nvSpPr>
+        <p:spPr/>
+        <p:txBody>
+          <a:bodyPr>
+            <a:normAutofit fontScale="92500" lnSpcReduction="10000"/>
+          </a:bodyPr>
+          <a:lstStyle/>
+          <a:p>
+            <a:r>
+              <a:rPr lang="pt-PT" dirty="0" smtClean="0"/>
+              <a:t>Os cabos de categoria </a:t>
+            </a:r>
+            <a:r>
+              <a:rPr lang="pt-PT" dirty="0"/>
+              <a:t>5 </a:t>
+            </a:r>
+            <a:r>
+              <a:rPr lang="pt-PT" dirty="0" smtClean="0"/>
+              <a:t>foram </a:t>
+            </a:r>
+            <a:r>
+              <a:rPr lang="pt-PT" dirty="0"/>
+              <a:t>substituídos pelos cabos </a:t>
             </a:r>
             <a:r>
               <a:rPr lang="pt-PT" b="1" dirty="0"/>
-              <a:t/>
+              <a:t>categoria </a:t>
+            </a:r>
+            <a:r>
+              <a:rPr lang="pt-PT" b="1" dirty="0" smtClean="0"/>
+              <a:t>5E</a:t>
+            </a:r>
+            <a:r>
+              <a:rPr lang="pt-PT" dirty="0"/>
+              <a:t>  (o "e" vem de "</a:t>
+            </a:r>
+            <a:r>
+              <a:rPr lang="pt-PT" dirty="0" err="1"/>
+              <a:t>enhanced</a:t>
+            </a:r>
+            <a:r>
+              <a:rPr lang="pt-PT" dirty="0"/>
+              <a:t>"), uma versão aperfeiçoada do padrão, com normas mais estritas, desenvolvidas de forma a reduzir a interferência entre os cabos e a perda de sinal, o que ajuda em cabos mais longos, perto dos 100 metros permitidos.</a:t>
+            </a:r>
+          </a:p>
+          <a:p>
+            <a:r>
+              <a:rPr lang="pt-PT" dirty="0"/>
+              <a:t>Categoria 6: Esta categoria de cabos foi originalmente desenvolvida para ser usada no padrão Gigabit Ethernet, mas com o desenvolvimento do padrão para cabos categoria 5 sua adoção acabou sendo retardada, já que, embora os cabos categoria 6 ofereçam uma qualidade superior, o alcance continua sendo de apenas 100 metros, de forma que, embora a melhor qualidade dos cabos </a:t>
+            </a:r>
+            <a:r>
+              <a:rPr lang="pt-PT" dirty="0" smtClean="0"/>
+              <a:t>categoria </a:t>
+            </a:r>
+            <a:r>
+              <a:rPr lang="pt-PT" dirty="0"/>
+              <a:t>6 seja sempre desejável, acaba não existindo muito ganho na prática</a:t>
+            </a:r>
+            <a:r>
+              <a:rPr lang="pt-PT" dirty="0" smtClean="0"/>
+              <a:t>.</a:t>
+            </a:r>
+          </a:p>
+          <a:p>
+            <a:endParaRPr lang="pt-PT" dirty="0"/>
+          </a:p>
+          <a:p>
+            <a:r>
+              <a:rPr lang="pt-PT" dirty="0" smtClean="0"/>
+              <a:t>Os cabos de </a:t>
+            </a:r>
+            <a:r>
+              <a:rPr lang="pt-PT" b="1" dirty="0"/>
+              <a:t>categoria </a:t>
+            </a:r>
+            <a:r>
+              <a:rPr lang="pt-PT" b="1" dirty="0" smtClean="0"/>
+              <a:t>6A</a:t>
+            </a:r>
+            <a:r>
+              <a:rPr lang="pt-PT" dirty="0" smtClean="0"/>
+              <a:t> (“A" </a:t>
+            </a:r>
+            <a:r>
+              <a:rPr lang="pt-PT" dirty="0"/>
+              <a:t>de "</a:t>
+            </a:r>
+            <a:r>
+              <a:rPr lang="pt-PT" dirty="0" err="1"/>
+              <a:t>augmented</a:t>
+            </a:r>
+            <a:r>
+              <a:rPr lang="pt-PT" dirty="0"/>
+              <a:t>", ou ampliado). Eles suportam frequências de até 500 MHz e utilizam um conjunto de medidas para reduzir a perda de sinal e tornar o cabo mais resistente a interferências.</a:t>
+            </a:r>
+          </a:p>
+          <a:p>
+            <a:endParaRPr lang="pt-PT" dirty="0"/>
+          </a:p>
+        </p:txBody>
+      </p:sp>
+    </p:spTree>
+    <p:extLst>
+      <p:ext uri="{BB962C8B-B14F-4D97-AF65-F5344CB8AC3E}">
+        <p14:creationId xmlns:p14="http://schemas.microsoft.com/office/powerpoint/2010/main" val="4202692426"/>
+      </p:ext>
+    </p:extLst>
+  </p:cSld>
+  <p:clrMapOvr>
+    <a:masterClrMapping/>
+  </p:clrMapOvr>
+</p:sld>
+</file>
+
+<file path=ppt/slides/slide20.xml><?xml version="1.0" encoding="utf-8"?>
+<p:sld xmlns:a="http://schemas.openxmlformats.org/drawingml/2006/main" xmlns:r="http://schemas.openxmlformats.org/officeDocument/2006/relationships" xmlns:p="http://schemas.openxmlformats.org/presentationml/2006/main">
+  <p:cSld>
+    <p:spTree>
+      <p:nvGrpSpPr>
+        <p:cNvPr id="1" name=""/>
+        <p:cNvGrpSpPr/>
+        <p:nvPr/>
+      </p:nvGrpSpPr>
+      <p:grpSpPr>
+        <a:xfrm>
+          <a:off x="0" y="0"/>
+          <a:ext cx="0" cy="0"/>
+          <a:chOff x="0" y="0"/>
+          <a:chExt cx="0" cy="0"/>
+        </a:xfrm>
+      </p:grpSpPr>
+      <p:sp>
+        <p:nvSpPr>
+          <p:cNvPr id="2" name="Título 1"/>
+          <p:cNvSpPr>
+            <a:spLocks noGrp="1"/>
+          </p:cNvSpPr>
+          <p:nvPr>
+            <p:ph type="title"/>
+          </p:nvPr>
+        </p:nvSpPr>
+        <p:spPr/>
+        <p:txBody>
+          <a:bodyPr/>
+          <a:lstStyle/>
+          <a:p>
+            <a:r>
+              <a:rPr lang="pt-PT" dirty="0"/>
+              <a:t>WAN – Rede de Longa Distância</a:t>
+            </a:r>
+            <a:br>
+              <a:rPr lang="pt-PT" dirty="0"/>
+            </a:br>
+            <a:endParaRPr lang="pt-PT" dirty="0"/>
+          </a:p>
+        </p:txBody>
+      </p:sp>
+      <p:sp>
+        <p:nvSpPr>
+          <p:cNvPr id="3" name="Marcador de Posição de Conteúdo 2"/>
+          <p:cNvSpPr>
+            <a:spLocks noGrp="1"/>
+          </p:cNvSpPr>
+          <p:nvPr>
+            <p:ph idx="1"/>
+          </p:nvPr>
+        </p:nvSpPr>
+        <p:spPr/>
+        <p:txBody>
+          <a:bodyPr/>
+          <a:lstStyle/>
+          <a:p>
+            <a:r>
+              <a:rPr lang="pt-PT" dirty="0" smtClean="0"/>
+              <a:t>A </a:t>
+            </a:r>
+            <a:r>
+              <a:rPr lang="pt-PT" dirty="0" err="1"/>
+              <a:t>Wide</a:t>
+            </a:r>
+            <a:r>
+              <a:rPr lang="pt-PT" dirty="0"/>
+              <a:t> </a:t>
+            </a:r>
+            <a:r>
+              <a:rPr lang="pt-PT" dirty="0" err="1"/>
+              <a:t>Area</a:t>
+            </a:r>
+            <a:r>
+              <a:rPr lang="pt-PT" dirty="0"/>
+              <a:t> Network, ou Rede de Longa Distância, vai um pouco além da MAN e consegue abranger uma área maior, como um país ou até mesmo um continente.</a:t>
+            </a:r>
+          </a:p>
+          <a:p>
+            <a:endParaRPr lang="pt-PT" dirty="0"/>
+          </a:p>
+        </p:txBody>
+      </p:sp>
+      <p:pic>
+        <p:nvPicPr>
+          <p:cNvPr id="4" name="Imagem 3"/>
+          <p:cNvPicPr>
+            <a:picLocks noChangeAspect="1"/>
+          </p:cNvPicPr>
+          <p:nvPr/>
+        </p:nvPicPr>
+        <p:blipFill>
+          <a:blip r:embed="rId2"/>
+          <a:stretch>
+            <a:fillRect/>
+          </a:stretch>
+        </p:blipFill>
+        <p:spPr>
+          <a:xfrm>
+            <a:off x="7431629" y="4631222"/>
+            <a:ext cx="2686050" cy="1704975"/>
+          </a:xfrm>
+          <a:prstGeom prst="roundRect">
+            <a:avLst>
+              <a:gd name="adj" fmla="val 16667"/>
+            </a:avLst>
+          </a:prstGeom>
+          <a:ln>
+            <a:noFill/>
+          </a:ln>
+          <a:effectLst>
+            <a:outerShdw blurRad="76200" dist="38100" dir="7800000" algn="tl" rotWithShape="0">
+              <a:srgbClr val="000000">
+                <a:alpha val="40000"/>
+              </a:srgbClr>
+            </a:outerShdw>
+          </a:effectLst>
+          <a:scene3d>
+            <a:camera prst="orthographicFront"/>
+            <a:lightRig rig="contrasting" dir="t">
+              <a:rot lat="0" lon="0" rev="4200000"/>
+            </a:lightRig>
+          </a:scene3d>
+          <a:sp3d prstMaterial="plastic">
+            <a:bevelT w="381000" h="114300" prst="relaxedInset"/>
+            <a:contourClr>
+              <a:srgbClr val="969696"/>
+            </a:contourClr>
+          </a:sp3d>
+        </p:spPr>
+      </p:pic>
+    </p:spTree>
+    <p:extLst>
+      <p:ext uri="{BB962C8B-B14F-4D97-AF65-F5344CB8AC3E}">
+        <p14:creationId xmlns:p14="http://schemas.microsoft.com/office/powerpoint/2010/main" val="2921396696"/>
+      </p:ext>
+    </p:extLst>
+  </p:cSld>
+  <p:clrMapOvr>
+    <a:masterClrMapping/>
+  </p:clrMapOvr>
+</p:sld>
+</file>
+
+<file path=ppt/slides/slide21.xml><?xml version="1.0" encoding="utf-8"?>
+<p:sld xmlns:a="http://schemas.openxmlformats.org/drawingml/2006/main" xmlns:r="http://schemas.openxmlformats.org/officeDocument/2006/relationships" xmlns:p="http://schemas.openxmlformats.org/presentationml/2006/main">
+  <p:cSld>
+    <p:spTree>
+      <p:nvGrpSpPr>
+        <p:cNvPr id="1" name=""/>
+        <p:cNvGrpSpPr/>
+        <p:nvPr/>
+      </p:nvGrpSpPr>
+      <p:grpSpPr>
+        <a:xfrm>
+          <a:off x="0" y="0"/>
+          <a:ext cx="0" cy="0"/>
+          <a:chOff x="0" y="0"/>
+          <a:chExt cx="0" cy="0"/>
+        </a:xfrm>
+      </p:grpSpPr>
+      <p:sp>
+        <p:nvSpPr>
+          <p:cNvPr id="2" name="Título 1"/>
+          <p:cNvSpPr>
+            <a:spLocks noGrp="1"/>
+          </p:cNvSpPr>
+          <p:nvPr>
+            <p:ph type="title"/>
+          </p:nvPr>
+        </p:nvSpPr>
+        <p:spPr>
+          <a:xfrm>
+            <a:off x="675043" y="2761129"/>
+            <a:ext cx="10131425" cy="1456267"/>
+          </a:xfrm>
+        </p:spPr>
+        <p:txBody>
+          <a:bodyPr/>
+          <a:lstStyle/>
+          <a:p>
+            <a:pPr algn="ctr"/>
+            <a:r>
+              <a:rPr lang="pt-PT" b="1" dirty="0"/>
+              <a:t>Equipamentos ativos e passivos</a:t>
             </a:r>
             <a:br>
               <a:rPr lang="pt-PT" b="1" dirty="0"/>
@@ -5888,59 +8134,321 @@
           </a:p>
         </p:txBody>
       </p:sp>
-      <p:sp>
-        <p:nvSpPr>
-          <p:cNvPr id="3" name="Marcador de Posição de Conteúdo 2"/>
-          <p:cNvSpPr>
-            <a:spLocks noGrp="1"/>
-          </p:cNvSpPr>
-          <p:nvPr>
-            <p:ph idx="1"/>
-          </p:nvPr>
-        </p:nvSpPr>
-        <p:spPr/>
-        <p:txBody>
-          <a:bodyPr/>
-          <a:lstStyle/>
-          <a:p>
-            <a:pPr marL="0" indent="0">
-              <a:buNone/>
-            </a:pPr>
-            <a:r>
-              <a:rPr lang="pt-PT" b="1" dirty="0"/>
-              <a:t>Cabos de pares entrançados</a:t>
-            </a:r>
-          </a:p>
-          <a:p>
-            <a:pPr lvl="0"/>
-            <a:r>
-              <a:rPr lang="pt-PT" dirty="0"/>
-              <a:t>Os cabos de pares trançados são constituídos por um ou vários pares de fios de cobre.</a:t>
-            </a:r>
-          </a:p>
-          <a:p>
-            <a:pPr lvl="0"/>
-            <a:r>
-              <a:rPr lang="pt-PT" dirty="0"/>
-              <a:t>Os dois fios de cada par estão enrolados em torno um do outro, com o objetivo de criar à sua volta um campo eletromagnético que reduz a possibilidade de interferência de sinais externos.</a:t>
-            </a:r>
-          </a:p>
-          <a:p>
-            <a:pPr lvl="0"/>
-            <a:r>
-              <a:rPr lang="pt-PT" dirty="0"/>
-              <a:t>São cabos de fácil instalação, de baixo custo e com boas características de transmissão.</a:t>
-            </a:r>
-          </a:p>
-          <a:p>
-            <a:endParaRPr lang="pt-PT" dirty="0"/>
-          </a:p>
-        </p:txBody>
-      </p:sp>
     </p:spTree>
     <p:extLst>
       <p:ext uri="{BB962C8B-B14F-4D97-AF65-F5344CB8AC3E}">
-        <p14:creationId xmlns:p14="http://schemas.microsoft.com/office/powerpoint/2010/main" val="565600196"/>
+        <p14:creationId xmlns:p14="http://schemas.microsoft.com/office/powerpoint/2010/main" val="2797858235"/>
+      </p:ext>
+    </p:extLst>
+  </p:cSld>
+  <p:clrMapOvr>
+    <a:masterClrMapping/>
+  </p:clrMapOvr>
+</p:sld>
+</file>
+
+<file path=ppt/slides/slide22.xml><?xml version="1.0" encoding="utf-8"?>
+<p:sld xmlns:a="http://schemas.openxmlformats.org/drawingml/2006/main" xmlns:r="http://schemas.openxmlformats.org/officeDocument/2006/relationships" xmlns:p="http://schemas.openxmlformats.org/presentationml/2006/main">
+  <p:cSld>
+    <p:spTree>
+      <p:nvGrpSpPr>
+        <p:cNvPr id="1" name=""/>
+        <p:cNvGrpSpPr/>
+        <p:nvPr/>
+      </p:nvGrpSpPr>
+      <p:grpSpPr>
+        <a:xfrm>
+          <a:off x="0" y="0"/>
+          <a:ext cx="0" cy="0"/>
+          <a:chOff x="0" y="0"/>
+          <a:chExt cx="0" cy="0"/>
+        </a:xfrm>
+      </p:grpSpPr>
+      <p:sp>
+        <p:nvSpPr>
+          <p:cNvPr id="2" name="Título 1"/>
+          <p:cNvSpPr>
+            <a:spLocks noGrp="1"/>
+          </p:cNvSpPr>
+          <p:nvPr>
+            <p:ph type="title"/>
+          </p:nvPr>
+        </p:nvSpPr>
+        <p:spPr/>
+        <p:txBody>
+          <a:bodyPr/>
+          <a:lstStyle/>
+          <a:p>
+            <a:r>
+              <a:rPr lang="pt-PT" dirty="0"/>
+              <a:t>Equipamento ativo:</a:t>
+            </a:r>
+          </a:p>
+        </p:txBody>
+      </p:sp>
+      <p:sp>
+        <p:nvSpPr>
+          <p:cNvPr id="3" name="Marcador de Posição de Conteúdo 2"/>
+          <p:cNvSpPr>
+            <a:spLocks noGrp="1"/>
+          </p:cNvSpPr>
+          <p:nvPr>
+            <p:ph idx="1"/>
+          </p:nvPr>
+        </p:nvSpPr>
+        <p:spPr/>
+        <p:txBody>
+          <a:bodyPr>
+            <a:normAutofit/>
+          </a:bodyPr>
+          <a:lstStyle/>
+          <a:p>
+            <a:pPr marL="0" indent="0">
+              <a:buNone/>
+            </a:pPr>
+            <a:r>
+              <a:rPr lang="pt-PT" dirty="0"/>
+              <a:t>São todos os equipamentos geradores, recetores de códigos ou conversor de sinais elétricos ou óticos</a:t>
+            </a:r>
+            <a:r>
+              <a:rPr lang="pt-PT" dirty="0" smtClean="0"/>
+              <a:t>.</a:t>
+            </a:r>
+            <a:endParaRPr lang="pt-PT" dirty="0"/>
+          </a:p>
+          <a:p>
+            <a:r>
+              <a:rPr lang="pt-PT" dirty="0"/>
+              <a:t>- Firewall (no caso de se tratar de uma firewall física</a:t>
+            </a:r>
+            <a:r>
+              <a:rPr lang="pt-PT" dirty="0" smtClean="0"/>
+              <a:t>)</a:t>
+            </a:r>
+            <a:endParaRPr lang="pt-PT" dirty="0"/>
+          </a:p>
+          <a:p>
+            <a:r>
+              <a:rPr lang="pt-PT" dirty="0"/>
+              <a:t>- </a:t>
+            </a:r>
+            <a:r>
+              <a:rPr lang="pt-PT" dirty="0" smtClean="0"/>
+              <a:t>Routers</a:t>
+            </a:r>
+            <a:endParaRPr lang="pt-PT" dirty="0"/>
+          </a:p>
+          <a:p>
+            <a:r>
+              <a:rPr lang="pt-PT" dirty="0"/>
+              <a:t>- </a:t>
+            </a:r>
+            <a:r>
+              <a:rPr lang="pt-PT" dirty="0" err="1" smtClean="0"/>
+              <a:t>Hubs</a:t>
+            </a:r>
+            <a:endParaRPr lang="pt-PT" dirty="0"/>
+          </a:p>
+          <a:p>
+            <a:r>
+              <a:rPr lang="pt-PT" dirty="0"/>
+              <a:t>- </a:t>
+            </a:r>
+            <a:r>
+              <a:rPr lang="pt-PT" dirty="0" smtClean="0"/>
+              <a:t>Bridges</a:t>
+            </a:r>
+            <a:endParaRPr lang="pt-PT" dirty="0"/>
+          </a:p>
+          <a:p>
+            <a:r>
+              <a:rPr lang="pt-PT" dirty="0"/>
+              <a:t>- </a:t>
+            </a:r>
+            <a:r>
+              <a:rPr lang="pt-PT" dirty="0" smtClean="0"/>
+              <a:t>Servidores</a:t>
+            </a:r>
+            <a:endParaRPr lang="pt-PT" dirty="0"/>
+          </a:p>
+          <a:p>
+            <a:r>
+              <a:rPr lang="pt-PT" dirty="0"/>
+              <a:t>- Access </a:t>
+            </a:r>
+            <a:r>
+              <a:rPr lang="pt-PT" dirty="0" err="1"/>
+              <a:t>points</a:t>
+            </a:r>
+            <a:endParaRPr lang="pt-PT" dirty="0"/>
+          </a:p>
+          <a:p>
+            <a:endParaRPr lang="pt-PT" dirty="0"/>
+          </a:p>
+        </p:txBody>
+      </p:sp>
+    </p:spTree>
+    <p:extLst>
+      <p:ext uri="{BB962C8B-B14F-4D97-AF65-F5344CB8AC3E}">
+        <p14:creationId xmlns:p14="http://schemas.microsoft.com/office/powerpoint/2010/main" val="1662617390"/>
+      </p:ext>
+    </p:extLst>
+  </p:cSld>
+  <p:clrMapOvr>
+    <a:masterClrMapping/>
+  </p:clrMapOvr>
+</p:sld>
+</file>
+
+<file path=ppt/slides/slide23.xml><?xml version="1.0" encoding="utf-8"?>
+<p:sld xmlns:a="http://schemas.openxmlformats.org/drawingml/2006/main" xmlns:r="http://schemas.openxmlformats.org/officeDocument/2006/relationships" xmlns:p="http://schemas.openxmlformats.org/presentationml/2006/main">
+  <p:cSld>
+    <p:spTree>
+      <p:nvGrpSpPr>
+        <p:cNvPr id="1" name=""/>
+        <p:cNvGrpSpPr/>
+        <p:nvPr/>
+      </p:nvGrpSpPr>
+      <p:grpSpPr>
+        <a:xfrm>
+          <a:off x="0" y="0"/>
+          <a:ext cx="0" cy="0"/>
+          <a:chOff x="0" y="0"/>
+          <a:chExt cx="0" cy="0"/>
+        </a:xfrm>
+      </p:grpSpPr>
+      <p:sp>
+        <p:nvSpPr>
+          <p:cNvPr id="2" name="Título 1"/>
+          <p:cNvSpPr>
+            <a:spLocks noGrp="1"/>
+          </p:cNvSpPr>
+          <p:nvPr>
+            <p:ph type="title"/>
+          </p:nvPr>
+        </p:nvSpPr>
+        <p:spPr/>
+        <p:txBody>
+          <a:bodyPr/>
+          <a:lstStyle/>
+          <a:p>
+            <a:r>
+              <a:rPr lang="pt-PT" dirty="0"/>
+              <a:t>Equipamento passivo:</a:t>
+            </a:r>
+          </a:p>
+        </p:txBody>
+      </p:sp>
+      <p:sp>
+        <p:nvSpPr>
+          <p:cNvPr id="3" name="Marcador de Posição de Conteúdo 2"/>
+          <p:cNvSpPr>
+            <a:spLocks noGrp="1"/>
+          </p:cNvSpPr>
+          <p:nvPr>
+            <p:ph idx="1"/>
+          </p:nvPr>
+        </p:nvSpPr>
+        <p:spPr/>
+        <p:txBody>
+          <a:bodyPr>
+            <a:normAutofit/>
+          </a:bodyPr>
+          <a:lstStyle/>
+          <a:p>
+            <a:pPr marL="0" indent="0">
+              <a:buNone/>
+            </a:pPr>
+            <a:r>
+              <a:rPr lang="pt-PT" dirty="0"/>
+              <a:t>São dispositivos que não interferem com os dados ou sinais que passam por </a:t>
+            </a:r>
+            <a:r>
+              <a:rPr lang="pt-PT" dirty="0" smtClean="0"/>
+              <a:t>ele </a:t>
+            </a:r>
+            <a:r>
+              <a:rPr lang="pt-PT" dirty="0"/>
+              <a:t>e que permitem a interligação do equipamento ativo</a:t>
+            </a:r>
+            <a:r>
+              <a:rPr lang="pt-PT" dirty="0" smtClean="0"/>
+              <a:t>.</a:t>
+            </a:r>
+            <a:endParaRPr lang="pt-PT" dirty="0"/>
+          </a:p>
+          <a:p>
+            <a:r>
+              <a:rPr lang="pt-PT" dirty="0"/>
+              <a:t>- </a:t>
+            </a:r>
+            <a:r>
+              <a:rPr lang="pt-PT" dirty="0" err="1" smtClean="0"/>
+              <a:t>Ups</a:t>
+            </a:r>
+            <a:endParaRPr lang="pt-PT" dirty="0"/>
+          </a:p>
+          <a:p>
+            <a:r>
+              <a:rPr lang="pt-PT" dirty="0"/>
+              <a:t>- </a:t>
+            </a:r>
+            <a:r>
+              <a:rPr lang="pt-PT" dirty="0" smtClean="0"/>
+              <a:t>Bastidores</a:t>
+            </a:r>
+            <a:endParaRPr lang="pt-PT" dirty="0"/>
+          </a:p>
+          <a:p>
+            <a:r>
+              <a:rPr lang="pt-PT" dirty="0"/>
+              <a:t>- </a:t>
+            </a:r>
+            <a:r>
+              <a:rPr lang="pt-PT" dirty="0" smtClean="0"/>
+              <a:t>Calhas</a:t>
+            </a:r>
+            <a:endParaRPr lang="pt-PT" dirty="0"/>
+          </a:p>
+          <a:p>
+            <a:r>
+              <a:rPr lang="pt-PT" dirty="0"/>
+              <a:t>- Réguas de alimentação de </a:t>
+            </a:r>
+            <a:r>
+              <a:rPr lang="pt-PT" dirty="0" smtClean="0"/>
+              <a:t>bastidores</a:t>
+            </a:r>
+            <a:endParaRPr lang="pt-PT" dirty="0"/>
+          </a:p>
+          <a:p>
+            <a:r>
+              <a:rPr lang="pt-PT" dirty="0"/>
+              <a:t>- </a:t>
+            </a:r>
+            <a:r>
+              <a:rPr lang="pt-PT" dirty="0" err="1"/>
+              <a:t>patch</a:t>
+            </a:r>
+            <a:r>
+              <a:rPr lang="pt-PT" dirty="0"/>
+              <a:t> </a:t>
+            </a:r>
+            <a:r>
+              <a:rPr lang="pt-PT" dirty="0" err="1"/>
+              <a:t>panel’s</a:t>
+            </a:r>
+            <a:endParaRPr lang="pt-PT" dirty="0"/>
+          </a:p>
+          <a:p>
+            <a:endParaRPr lang="pt-PT" dirty="0"/>
+          </a:p>
+        </p:txBody>
+      </p:sp>
+    </p:spTree>
+    <p:extLst>
+      <p:ext uri="{BB962C8B-B14F-4D97-AF65-F5344CB8AC3E}">
+        <p14:creationId xmlns:p14="http://schemas.microsoft.com/office/powerpoint/2010/main" val="3711063965"/>
       </p:ext>
     </p:extLst>
   </p:cSld>
@@ -5983,8 +8491,16 @@
           <a:lstStyle/>
           <a:p>
             <a:r>
+              <a:rPr lang="pt-PT" dirty="0"/>
+              <a:t>Tipos de </a:t>
+            </a:r>
+            <a:r>
+              <a:rPr lang="pt-PT" dirty="0" smtClean="0"/>
+              <a:t>cabos</a:t>
+            </a:r>
+            <a:r>
               <a:rPr lang="pt-PT" b="1" dirty="0"/>
-              <a:t>Onde são utilizados?</a:t>
+              <a:t/>
             </a:r>
             <a:br>
               <a:rPr lang="pt-PT" b="1" dirty="0"/>
@@ -6003,6 +8519,181 @@
             <p:ph idx="1"/>
           </p:nvPr>
         </p:nvSpPr>
+        <p:spPr>
+          <a:xfrm>
+            <a:off x="588983" y="1598918"/>
+            <a:ext cx="10131425" cy="3649133"/>
+          </a:xfrm>
+        </p:spPr>
+        <p:txBody>
+          <a:bodyPr/>
+          <a:lstStyle/>
+          <a:p>
+            <a:pPr marL="0" indent="0">
+              <a:buNone/>
+            </a:pPr>
+            <a:r>
+              <a:rPr lang="pt-PT" b="1" dirty="0"/>
+              <a:t>Cabos de pares </a:t>
+            </a:r>
+            <a:r>
+              <a:rPr lang="pt-PT" b="1" dirty="0" smtClean="0"/>
+              <a:t>entrançados</a:t>
+            </a:r>
+          </a:p>
+          <a:p>
+            <a:pPr marL="0" indent="0">
+              <a:buNone/>
+            </a:pPr>
+            <a:endParaRPr lang="pt-PT" b="1" dirty="0"/>
+          </a:p>
+          <a:p>
+            <a:pPr lvl="0"/>
+            <a:r>
+              <a:rPr lang="pt-PT" dirty="0"/>
+              <a:t>Os cabos de pares trançados são constituídos por um ou vários pares de fios de cobre.</a:t>
+            </a:r>
+          </a:p>
+          <a:p>
+            <a:pPr lvl="0"/>
+            <a:r>
+              <a:rPr lang="pt-PT" dirty="0"/>
+              <a:t>Os dois fios de cada par estão enrolados em torno um do outro, com o objetivo de criar à sua volta um campo eletromagnético que reduz a possibilidade de interferência de sinais externos.</a:t>
+            </a:r>
+          </a:p>
+          <a:p>
+            <a:pPr lvl="0"/>
+            <a:r>
+              <a:rPr lang="pt-PT" dirty="0"/>
+              <a:t>São cabos de fácil instalação, de baixo custo e com boas características de transmissão.</a:t>
+            </a:r>
+          </a:p>
+          <a:p>
+            <a:endParaRPr lang="pt-PT" dirty="0"/>
+          </a:p>
+        </p:txBody>
+      </p:sp>
+      <p:pic>
+        <p:nvPicPr>
+          <p:cNvPr id="4" name="Imagem 3"/>
+          <p:cNvPicPr>
+            <a:picLocks noChangeAspect="1"/>
+          </p:cNvPicPr>
+          <p:nvPr/>
+        </p:nvPicPr>
+        <p:blipFill>
+          <a:blip r:embed="rId2"/>
+          <a:stretch>
+            <a:fillRect/>
+          </a:stretch>
+        </p:blipFill>
+        <p:spPr>
+          <a:xfrm>
+            <a:off x="7971304" y="4781102"/>
+            <a:ext cx="2381250" cy="1943100"/>
+          </a:xfrm>
+          <a:prstGeom prst="roundRect">
+            <a:avLst>
+              <a:gd name="adj" fmla="val 16667"/>
+            </a:avLst>
+          </a:prstGeom>
+          <a:ln>
+            <a:noFill/>
+          </a:ln>
+          <a:effectLst>
+            <a:outerShdw blurRad="76200" dist="38100" dir="7800000" algn="tl" rotWithShape="0">
+              <a:srgbClr val="000000">
+                <a:alpha val="40000"/>
+              </a:srgbClr>
+            </a:outerShdw>
+          </a:effectLst>
+          <a:scene3d>
+            <a:camera prst="orthographicFront"/>
+            <a:lightRig rig="contrasting" dir="t">
+              <a:rot lat="0" lon="0" rev="4200000"/>
+            </a:lightRig>
+          </a:scene3d>
+          <a:sp3d prstMaterial="plastic">
+            <a:bevelT w="381000" h="114300" prst="relaxedInset"/>
+            <a:contourClr>
+              <a:srgbClr val="969696"/>
+            </a:contourClr>
+          </a:sp3d>
+        </p:spPr>
+      </p:pic>
+    </p:spTree>
+    <p:extLst>
+      <p:ext uri="{BB962C8B-B14F-4D97-AF65-F5344CB8AC3E}">
+        <p14:creationId xmlns:p14="http://schemas.microsoft.com/office/powerpoint/2010/main" val="565600196"/>
+      </p:ext>
+    </p:extLst>
+  </p:cSld>
+  <p:clrMapOvr>
+    <a:masterClrMapping/>
+  </p:clrMapOvr>
+  <p:timing>
+    <p:tnLst>
+      <p:par>
+        <p:cTn id="1" dur="indefinite" restart="never" nodeType="tmRoot"/>
+      </p:par>
+    </p:tnLst>
+  </p:timing>
+</p:sld>
+</file>
+
+<file path=ppt/slides/slide4.xml><?xml version="1.0" encoding="utf-8"?>
+<p:sld xmlns:a="http://schemas.openxmlformats.org/drawingml/2006/main" xmlns:r="http://schemas.openxmlformats.org/officeDocument/2006/relationships" xmlns:p="http://schemas.openxmlformats.org/presentationml/2006/main">
+  <p:cSld>
+    <p:spTree>
+      <p:nvGrpSpPr>
+        <p:cNvPr id="1" name=""/>
+        <p:cNvGrpSpPr/>
+        <p:nvPr/>
+      </p:nvGrpSpPr>
+      <p:grpSpPr>
+        <a:xfrm>
+          <a:off x="0" y="0"/>
+          <a:ext cx="0" cy="0"/>
+          <a:chOff x="0" y="0"/>
+          <a:chExt cx="0" cy="0"/>
+        </a:xfrm>
+      </p:grpSpPr>
+      <p:sp>
+        <p:nvSpPr>
+          <p:cNvPr id="2" name="Título 1"/>
+          <p:cNvSpPr>
+            <a:spLocks noGrp="1"/>
+          </p:cNvSpPr>
+          <p:nvPr>
+            <p:ph type="title"/>
+          </p:nvPr>
+        </p:nvSpPr>
+        <p:spPr/>
+        <p:txBody>
+          <a:bodyPr/>
+          <a:lstStyle/>
+          <a:p>
+            <a:r>
+              <a:rPr lang="pt-PT" b="1" dirty="0"/>
+              <a:t>Onde são utilizados?</a:t>
+            </a:r>
+            <a:br>
+              <a:rPr lang="pt-PT" b="1" dirty="0"/>
+            </a:br>
+            <a:endParaRPr lang="pt-PT" dirty="0"/>
+          </a:p>
+        </p:txBody>
+      </p:sp>
+      <p:sp>
+        <p:nvSpPr>
+          <p:cNvPr id="3" name="Marcador de Posição de Conteúdo 2"/>
+          <p:cNvSpPr>
+            <a:spLocks noGrp="1"/>
+          </p:cNvSpPr>
+          <p:nvPr>
+            <p:ph idx="1"/>
+          </p:nvPr>
+        </p:nvSpPr>
         <p:spPr/>
         <p:txBody>
           <a:bodyPr/>
@@ -6016,6 +8707,15 @@
               <a:rPr lang="pt-PT" dirty="0" smtClean="0"/>
               <a:t>).</a:t>
             </a:r>
+          </a:p>
+          <a:p>
+            <a:endParaRPr lang="pt-PT" dirty="0"/>
+          </a:p>
+          <a:p>
+            <a:endParaRPr lang="pt-PT" dirty="0" smtClean="0"/>
+          </a:p>
+          <a:p>
+            <a:endParaRPr lang="pt-PT" dirty="0" smtClean="0"/>
           </a:p>
           <a:p>
             <a:r>
@@ -6042,10 +8742,17 @@
   <p:clrMapOvr>
     <a:masterClrMapping/>
   </p:clrMapOvr>
+  <p:timing>
+    <p:tnLst>
+      <p:par>
+        <p:cTn id="1" dur="indefinite" restart="never" nodeType="tmRoot"/>
+      </p:par>
+    </p:tnLst>
+  </p:timing>
 </p:sld>
 </file>
 
-<file path=ppt/slides/slide4.xml><?xml version="1.0" encoding="utf-8"?>
+<file path=ppt/slides/slide5.xml><?xml version="1.0" encoding="utf-8"?>
 <p:sld xmlns:a="http://schemas.openxmlformats.org/drawingml/2006/main" xmlns:r="http://schemas.openxmlformats.org/officeDocument/2006/relationships" xmlns:p="http://schemas.openxmlformats.org/presentationml/2006/main">
   <p:cSld>
     <p:spTree>
@@ -6168,13 +8875,33 @@
             <a:off x="6067313" y="3861995"/>
             <a:ext cx="4905487" cy="2712272"/>
           </a:xfrm>
-          <a:prstGeom prst="rect">
-            <a:avLst/>
+          <a:prstGeom prst="roundRect">
+            <a:avLst>
+              <a:gd name="adj" fmla="val 16667"/>
+            </a:avLst>
           </a:prstGeom>
-          <a:noFill/>
           <a:ln>
             <a:noFill/>
           </a:ln>
+          <a:effectLst>
+            <a:outerShdw blurRad="76200" dist="38100" dir="7800000" algn="tl" rotWithShape="0">
+              <a:srgbClr val="000000">
+                <a:alpha val="40000"/>
+              </a:srgbClr>
+            </a:outerShdw>
+          </a:effectLst>
+          <a:scene3d>
+            <a:camera prst="orthographicFront"/>
+            <a:lightRig rig="contrasting" dir="t">
+              <a:rot lat="0" lon="0" rev="4200000"/>
+            </a:lightRig>
+          </a:scene3d>
+          <a:sp3d prstMaterial="plastic">
+            <a:bevelT w="381000" h="114300" prst="relaxedInset"/>
+            <a:contourClr>
+              <a:srgbClr val="969696"/>
+            </a:contourClr>
+          </a:sp3d>
         </p:spPr>
       </p:pic>
     </p:spTree>
@@ -6187,167 +8914,13 @@
   <p:clrMapOvr>
     <a:masterClrMapping/>
   </p:clrMapOvr>
-</p:sld>
-</file>
-
-<file path=ppt/slides/slide5.xml><?xml version="1.0" encoding="utf-8"?>
-<p:sld xmlns:a="http://schemas.openxmlformats.org/drawingml/2006/main" xmlns:r="http://schemas.openxmlformats.org/officeDocument/2006/relationships" xmlns:p="http://schemas.openxmlformats.org/presentationml/2006/main">
-  <p:cSld>
-    <p:spTree>
-      <p:nvGrpSpPr>
-        <p:cNvPr id="1" name=""/>
-        <p:cNvGrpSpPr/>
-        <p:nvPr/>
-      </p:nvGrpSpPr>
-      <p:grpSpPr>
-        <a:xfrm>
-          <a:off x="0" y="0"/>
-          <a:ext cx="0" cy="0"/>
-          <a:chOff x="0" y="0"/>
-          <a:chExt cx="0" cy="0"/>
-        </a:xfrm>
-      </p:grpSpPr>
-      <p:sp>
-        <p:nvSpPr>
-          <p:cNvPr id="2" name="Título 1"/>
-          <p:cNvSpPr>
-            <a:spLocks noGrp="1"/>
-          </p:cNvSpPr>
-          <p:nvPr>
-            <p:ph type="title"/>
-          </p:nvPr>
-        </p:nvSpPr>
-        <p:spPr/>
-        <p:txBody>
-          <a:bodyPr>
-            <a:normAutofit/>
-          </a:bodyPr>
-          <a:lstStyle/>
-          <a:p>
-            <a:r>
-              <a:rPr lang="pt-PT" b="1" i="1" dirty="0"/>
-              <a:t>Cabos UTP – </a:t>
-            </a:r>
-            <a:r>
-              <a:rPr lang="pt-PT" b="1" i="1" dirty="0" err="1"/>
-              <a:t>Twisted</a:t>
-            </a:r>
-            <a:r>
-              <a:rPr lang="pt-PT" b="1" i="1" dirty="0"/>
-              <a:t> </a:t>
-            </a:r>
-            <a:r>
-              <a:rPr lang="pt-PT" b="1" i="1" dirty="0" err="1"/>
-              <a:t>Pair</a:t>
-            </a:r>
-            <a:r>
-              <a:rPr lang="pt-PT" b="1" i="1" dirty="0"/>
-              <a:t> – Par Trançado sem </a:t>
-            </a:r>
-            <a:r>
-              <a:rPr lang="pt-PT" b="1" i="1" dirty="0" smtClean="0"/>
-              <a:t>Blindagem</a:t>
-            </a:r>
-            <a:endParaRPr lang="pt-PT" dirty="0"/>
-          </a:p>
-        </p:txBody>
-      </p:sp>
-      <p:sp>
-        <p:nvSpPr>
-          <p:cNvPr id="3" name="Marcador de Posição de Conteúdo 2"/>
-          <p:cNvSpPr>
-            <a:spLocks noGrp="1"/>
-          </p:cNvSpPr>
-          <p:nvPr>
-            <p:ph idx="1"/>
-          </p:nvPr>
-        </p:nvSpPr>
-        <p:spPr/>
-        <p:txBody>
-          <a:bodyPr>
-            <a:normAutofit/>
-          </a:bodyPr>
-          <a:lstStyle/>
-          <a:p>
-            <a:pPr lvl="0"/>
-            <a:r>
-              <a:rPr lang="pt-PT" dirty="0" smtClean="0"/>
-              <a:t>Este </a:t>
-            </a:r>
-            <a:r>
-              <a:rPr lang="pt-PT" dirty="0"/>
-              <a:t>tipo de cabo é constituído por quatro pares de fios entrelaçados e revestidos por uma capa de PVC (plástico).</a:t>
-            </a:r>
-          </a:p>
-          <a:p>
-            <a:pPr lvl="0"/>
-            <a:r>
-              <a:rPr lang="pt-PT" dirty="0"/>
-              <a:t>Os cabos deste tipo são mais baratos que os blindados e é mais fácil de manusear e instalar.</a:t>
-            </a:r>
-          </a:p>
-          <a:p>
-            <a:pPr lvl="0"/>
-            <a:r>
-              <a:rPr lang="pt-PT" dirty="0"/>
-              <a:t>Permite taxas de transmissão de até 100 Mbps com a utilização do cabo CAT 5e.</a:t>
-            </a:r>
-          </a:p>
-          <a:p>
-            <a:pPr lvl="0"/>
-            <a:r>
-              <a:rPr lang="pt-PT" dirty="0"/>
-              <a:t>É o cabo mais usado em redes domésticas e em grandes redes industriais.</a:t>
-            </a:r>
-          </a:p>
-          <a:p>
-            <a:pPr lvl="0"/>
-            <a:r>
-              <a:rPr lang="pt-PT" dirty="0"/>
-              <a:t>É o mais barato para distâncias até 100 metros; para distâncias maiores utilizam-se cabos de fibra </a:t>
-            </a:r>
-            <a:r>
-              <a:rPr lang="pt-PT" dirty="0" smtClean="0"/>
-              <a:t>ótica.</a:t>
-            </a:r>
-          </a:p>
-          <a:p>
-            <a:pPr lvl="0"/>
-            <a:r>
-              <a:rPr lang="pt-PT" dirty="0" smtClean="0"/>
-              <a:t>A </a:t>
-            </a:r>
-            <a:r>
-              <a:rPr lang="pt-PT" dirty="0"/>
-              <a:t>falta de blindagem deste tipo de cabo faz com que não seja recomendada a sua instalação próximo a equipamentos que possam gerar campos magnéticos (fios de rede elétrica, motores, inversores de frequência) e também não podem ficar em ambientes com </a:t>
-            </a:r>
-            <a:r>
-              <a:rPr lang="pt-PT" dirty="0" smtClean="0"/>
-              <a:t>humidade</a:t>
-            </a:r>
-            <a:r>
-              <a:rPr lang="pt-PT" dirty="0"/>
-              <a:t>.</a:t>
-            </a:r>
-          </a:p>
-          <a:p>
-            <a:pPr marL="0" indent="0">
-              <a:buNone/>
-            </a:pPr>
-            <a:endParaRPr lang="pt-PT" dirty="0"/>
-          </a:p>
-        </p:txBody>
-      </p:sp>
-    </p:spTree>
-    <p:extLst>
-      <p:ext uri="{BB962C8B-B14F-4D97-AF65-F5344CB8AC3E}">
-        <p14:creationId xmlns:p14="http://schemas.microsoft.com/office/powerpoint/2010/main" val="336147905"/>
-      </p:ext>
-    </p:extLst>
-  </p:cSld>
-  <p:clrMapOvr>
-    <a:masterClrMapping/>
-  </p:clrMapOvr>
+  <p:timing>
+    <p:tnLst>
+      <p:par>
+        <p:cTn id="1" dur="indefinite" restart="never" nodeType="tmRoot"/>
+      </p:par>
+    </p:tnLst>
+  </p:timing>
 </p:sld>
 </file>
 
@@ -6387,6 +8960,174 @@
           <a:p>
             <a:r>
               <a:rPr lang="pt-PT" b="1" i="1" dirty="0"/>
+              <a:t>Cabos UTP – </a:t>
+            </a:r>
+            <a:r>
+              <a:rPr lang="pt-PT" b="1" i="1" dirty="0" err="1"/>
+              <a:t>Twisted</a:t>
+            </a:r>
+            <a:r>
+              <a:rPr lang="pt-PT" b="1" i="1" dirty="0"/>
+              <a:t> </a:t>
+            </a:r>
+            <a:r>
+              <a:rPr lang="pt-PT" b="1" i="1" dirty="0" err="1"/>
+              <a:t>Pair</a:t>
+            </a:r>
+            <a:r>
+              <a:rPr lang="pt-PT" b="1" i="1" dirty="0"/>
+              <a:t> – Par Trançado sem </a:t>
+            </a:r>
+            <a:r>
+              <a:rPr lang="pt-PT" b="1" i="1" dirty="0" smtClean="0"/>
+              <a:t>Blindagem</a:t>
+            </a:r>
+            <a:endParaRPr lang="pt-PT" dirty="0"/>
+          </a:p>
+        </p:txBody>
+      </p:sp>
+      <p:sp>
+        <p:nvSpPr>
+          <p:cNvPr id="3" name="Marcador de Posição de Conteúdo 2"/>
+          <p:cNvSpPr>
+            <a:spLocks noGrp="1"/>
+          </p:cNvSpPr>
+          <p:nvPr>
+            <p:ph idx="1"/>
+          </p:nvPr>
+        </p:nvSpPr>
+        <p:spPr/>
+        <p:txBody>
+          <a:bodyPr>
+            <a:normAutofit/>
+          </a:bodyPr>
+          <a:lstStyle/>
+          <a:p>
+            <a:pPr lvl="0"/>
+            <a:r>
+              <a:rPr lang="pt-PT" dirty="0" smtClean="0"/>
+              <a:t>Este </a:t>
+            </a:r>
+            <a:r>
+              <a:rPr lang="pt-PT" dirty="0"/>
+              <a:t>tipo de cabo é constituído por quatro pares de fios entrelaçados e revestidos por uma capa de PVC (plástico).</a:t>
+            </a:r>
+          </a:p>
+          <a:p>
+            <a:pPr lvl="0"/>
+            <a:r>
+              <a:rPr lang="pt-PT" dirty="0"/>
+              <a:t>Os cabos deste tipo são mais baratos que os blindados e é mais fácil de manusear e instalar.</a:t>
+            </a:r>
+          </a:p>
+          <a:p>
+            <a:pPr lvl="0"/>
+            <a:r>
+              <a:rPr lang="pt-PT" dirty="0"/>
+              <a:t>Permite taxas de transmissão de até 100 Mbps com a utilização do cabo CAT 5e.</a:t>
+            </a:r>
+          </a:p>
+          <a:p>
+            <a:pPr lvl="0"/>
+            <a:r>
+              <a:rPr lang="pt-PT" dirty="0"/>
+              <a:t>É o cabo mais usado em redes domésticas e em grandes redes industriais.</a:t>
+            </a:r>
+          </a:p>
+          <a:p>
+            <a:pPr lvl="0"/>
+            <a:r>
+              <a:rPr lang="pt-PT" dirty="0"/>
+              <a:t>É o mais barato para distâncias até 100 metros; para distâncias maiores utilizam-se cabos de fibra </a:t>
+            </a:r>
+            <a:r>
+              <a:rPr lang="pt-PT" dirty="0" smtClean="0"/>
+              <a:t>ótica.</a:t>
+            </a:r>
+          </a:p>
+          <a:p>
+            <a:pPr lvl="0"/>
+            <a:r>
+              <a:rPr lang="pt-PT" dirty="0" smtClean="0"/>
+              <a:t>A </a:t>
+            </a:r>
+            <a:r>
+              <a:rPr lang="pt-PT" dirty="0"/>
+              <a:t>falta de blindagem deste tipo de cabo faz com que não seja recomendada a sua instalação próximo a equipamentos que possam gerar campos magnéticos (fios de rede elétrica, motores, inversores de frequência) e também não podem ficar em ambientes com </a:t>
+            </a:r>
+            <a:r>
+              <a:rPr lang="pt-PT" dirty="0" smtClean="0"/>
+              <a:t>humidade</a:t>
+            </a:r>
+            <a:r>
+              <a:rPr lang="pt-PT" dirty="0"/>
+              <a:t>.</a:t>
+            </a:r>
+          </a:p>
+          <a:p>
+            <a:pPr marL="0" indent="0">
+              <a:buNone/>
+            </a:pPr>
+            <a:endParaRPr lang="pt-PT" dirty="0"/>
+          </a:p>
+        </p:txBody>
+      </p:sp>
+    </p:spTree>
+    <p:extLst>
+      <p:ext uri="{BB962C8B-B14F-4D97-AF65-F5344CB8AC3E}">
+        <p14:creationId xmlns:p14="http://schemas.microsoft.com/office/powerpoint/2010/main" val="336147905"/>
+      </p:ext>
+    </p:extLst>
+  </p:cSld>
+  <p:clrMapOvr>
+    <a:masterClrMapping/>
+  </p:clrMapOvr>
+  <p:timing>
+    <p:tnLst>
+      <p:par>
+        <p:cTn id="1" dur="indefinite" restart="never" nodeType="tmRoot"/>
+      </p:par>
+    </p:tnLst>
+  </p:timing>
+</p:sld>
+</file>
+
+<file path=ppt/slides/slide7.xml><?xml version="1.0" encoding="utf-8"?>
+<p:sld xmlns:a="http://schemas.openxmlformats.org/drawingml/2006/main" xmlns:r="http://schemas.openxmlformats.org/officeDocument/2006/relationships" xmlns:p="http://schemas.openxmlformats.org/presentationml/2006/main">
+  <p:cSld>
+    <p:spTree>
+      <p:nvGrpSpPr>
+        <p:cNvPr id="1" name=""/>
+        <p:cNvGrpSpPr/>
+        <p:nvPr/>
+      </p:nvGrpSpPr>
+      <p:grpSpPr>
+        <a:xfrm>
+          <a:off x="0" y="0"/>
+          <a:ext cx="0" cy="0"/>
+          <a:chOff x="0" y="0"/>
+          <a:chExt cx="0" cy="0"/>
+        </a:xfrm>
+      </p:grpSpPr>
+      <p:sp>
+        <p:nvSpPr>
+          <p:cNvPr id="2" name="Título 1"/>
+          <p:cNvSpPr>
+            <a:spLocks noGrp="1"/>
+          </p:cNvSpPr>
+          <p:nvPr>
+            <p:ph type="title"/>
+          </p:nvPr>
+        </p:nvSpPr>
+        <p:spPr/>
+        <p:txBody>
+          <a:bodyPr>
+            <a:normAutofit/>
+          </a:bodyPr>
+          <a:lstStyle/>
+          <a:p>
+            <a:r>
+              <a:rPr lang="pt-PT" b="1" i="1" dirty="0"/>
               <a:t>Cabos STP – Par Trançado Blindado (cabo com blindagem</a:t>
             </a:r>
             <a:r>
@@ -6407,10 +9148,15 @@
             <p:ph idx="1"/>
           </p:nvPr>
         </p:nvSpPr>
-        <p:spPr/>
+        <p:spPr>
+          <a:xfrm>
+            <a:off x="793378" y="2818504"/>
+            <a:ext cx="10131425" cy="3732903"/>
+          </a:xfrm>
+        </p:spPr>
         <p:txBody>
           <a:bodyPr>
-            <a:normAutofit fontScale="92500" lnSpcReduction="20000"/>
+            <a:normAutofit fontScale="92500" lnSpcReduction="10000"/>
           </a:bodyPr>
           <a:lstStyle/>
           <a:p>
@@ -6504,10 +9250,17 @@
   <p:clrMapOvr>
     <a:masterClrMapping/>
   </p:clrMapOvr>
+  <p:timing>
+    <p:tnLst>
+      <p:par>
+        <p:cTn id="1" dur="indefinite" restart="never" nodeType="tmRoot"/>
+      </p:par>
+    </p:tnLst>
+  </p:timing>
 </p:sld>
 </file>
 
-<file path=ppt/slides/slide7.xml><?xml version="1.0" encoding="utf-8"?>
+<file path=ppt/slides/slide8.xml><?xml version="1.0" encoding="utf-8"?>
 <p:sld xmlns:a="http://schemas.openxmlformats.org/drawingml/2006/main" xmlns:r="http://schemas.openxmlformats.org/officeDocument/2006/relationships" xmlns:p="http://schemas.openxmlformats.org/presentationml/2006/main">
   <p:cSld>
     <p:spTree>
@@ -6613,13 +9366,33 @@
             <a:off x="8092831" y="4270787"/>
             <a:ext cx="2869211" cy="2315526"/>
           </a:xfrm>
-          <a:prstGeom prst="rect">
-            <a:avLst/>
+          <a:prstGeom prst="roundRect">
+            <a:avLst>
+              <a:gd name="adj" fmla="val 16667"/>
+            </a:avLst>
           </a:prstGeom>
-          <a:noFill/>
           <a:ln>
             <a:noFill/>
           </a:ln>
+          <a:effectLst>
+            <a:outerShdw blurRad="76200" dist="38100" dir="7800000" algn="tl" rotWithShape="0">
+              <a:srgbClr val="000000">
+                <a:alpha val="40000"/>
+              </a:srgbClr>
+            </a:outerShdw>
+          </a:effectLst>
+          <a:scene3d>
+            <a:camera prst="orthographicFront"/>
+            <a:lightRig rig="contrasting" dir="t">
+              <a:rot lat="0" lon="0" rev="4200000"/>
+            </a:lightRig>
+          </a:scene3d>
+          <a:sp3d prstMaterial="plastic">
+            <a:bevelT w="381000" h="114300" prst="relaxedInset"/>
+            <a:contourClr>
+              <a:srgbClr val="969696"/>
+            </a:contourClr>
+          </a:sp3d>
         </p:spPr>
       </p:pic>
     </p:spTree>
@@ -6632,10 +9405,17 @@
   <p:clrMapOvr>
     <a:masterClrMapping/>
   </p:clrMapOvr>
+  <p:timing>
+    <p:tnLst>
+      <p:par>
+        <p:cTn id="1" dur="indefinite" restart="never" nodeType="tmRoot"/>
+      </p:par>
+    </p:tnLst>
+  </p:timing>
 </p:sld>
 </file>
 
-<file path=ppt/slides/slide8.xml><?xml version="1.0" encoding="utf-8"?>
+<file path=ppt/slides/slide9.xml><?xml version="1.0" encoding="utf-8"?>
 <p:sld xmlns:a="http://schemas.openxmlformats.org/drawingml/2006/main" xmlns:r="http://schemas.openxmlformats.org/officeDocument/2006/relationships" xmlns:p="http://schemas.openxmlformats.org/presentationml/2006/main">
   <p:cSld>
     <p:spTree>
@@ -6759,6 +9539,13 @@
   <p:clrMapOvr>
     <a:masterClrMapping/>
   </p:clrMapOvr>
+  <p:timing>
+    <p:tnLst>
+      <p:par>
+        <p:cTn id="1" dur="indefinite" restart="never" nodeType="tmRoot"/>
+      </p:par>
+    </p:tnLst>
+  </p:timing>
 </p:sld>
 </file>
 

--- a/Trabalho pratico.pptx
+++ b/Trabalho pratico.pptx
@@ -4,6 +4,9 @@
   <p:sldMasterIdLst>
     <p:sldMasterId id="2147483648" r:id="rId1"/>
   </p:sldMasterIdLst>
+  <p:notesMasterIdLst>
+    <p:notesMasterId r:id="rId25"/>
+  </p:notesMasterIdLst>
   <p:sldIdLst>
     <p:sldId id="256" r:id="rId2"/>
     <p:sldId id="282" r:id="rId3"/>
@@ -134,6 +137,440 @@
 </p:presentation>
 </file>
 
+<file path=ppt/notesMasters/notesMaster1.xml><?xml version="1.0" encoding="utf-8"?>
+<p:notesMaster xmlns:a="http://schemas.openxmlformats.org/drawingml/2006/main" xmlns:r="http://schemas.openxmlformats.org/officeDocument/2006/relationships" xmlns:p="http://schemas.openxmlformats.org/presentationml/2006/main">
+  <p:cSld>
+    <p:bg>
+      <p:bgRef idx="1001">
+        <a:schemeClr val="bg1"/>
+      </p:bgRef>
+    </p:bg>
+    <p:spTree>
+      <p:nvGrpSpPr>
+        <p:cNvPr id="1" name=""/>
+        <p:cNvGrpSpPr/>
+        <p:nvPr/>
+      </p:nvGrpSpPr>
+      <p:grpSpPr>
+        <a:xfrm>
+          <a:off x="0" y="0"/>
+          <a:ext cx="0" cy="0"/>
+          <a:chOff x="0" y="0"/>
+          <a:chExt cx="0" cy="0"/>
+        </a:xfrm>
+      </p:grpSpPr>
+      <p:sp>
+        <p:nvSpPr>
+          <p:cNvPr id="2" name="Marcador de Posição do Cabeçalho 1"/>
+          <p:cNvSpPr>
+            <a:spLocks noGrp="1"/>
+          </p:cNvSpPr>
+          <p:nvPr>
+            <p:ph type="hdr" sz="quarter"/>
+          </p:nvPr>
+        </p:nvSpPr>
+        <p:spPr>
+          <a:xfrm>
+            <a:off x="0" y="0"/>
+            <a:ext cx="2971800" cy="458788"/>
+          </a:xfrm>
+          <a:prstGeom prst="rect">
+            <a:avLst/>
+          </a:prstGeom>
+        </p:spPr>
+        <p:txBody>
+          <a:bodyPr vert="horz" lIns="91440" tIns="45720" rIns="91440" bIns="45720" rtlCol="0"/>
+          <a:lstStyle>
+            <a:lvl1pPr algn="l">
+              <a:defRPr sz="1200"/>
+            </a:lvl1pPr>
+          </a:lstStyle>
+          <a:p>
+            <a:endParaRPr lang="pt-PT"/>
+          </a:p>
+        </p:txBody>
+      </p:sp>
+      <p:sp>
+        <p:nvSpPr>
+          <p:cNvPr id="3" name="Marcador de Posição da Data 2"/>
+          <p:cNvSpPr>
+            <a:spLocks noGrp="1"/>
+          </p:cNvSpPr>
+          <p:nvPr>
+            <p:ph type="dt" idx="1"/>
+          </p:nvPr>
+        </p:nvSpPr>
+        <p:spPr>
+          <a:xfrm>
+            <a:off x="3884613" y="0"/>
+            <a:ext cx="2971800" cy="458788"/>
+          </a:xfrm>
+          <a:prstGeom prst="rect">
+            <a:avLst/>
+          </a:prstGeom>
+        </p:spPr>
+        <p:txBody>
+          <a:bodyPr vert="horz" lIns="91440" tIns="45720" rIns="91440" bIns="45720" rtlCol="0"/>
+          <a:lstStyle>
+            <a:lvl1pPr algn="r">
+              <a:defRPr sz="1200"/>
+            </a:lvl1pPr>
+          </a:lstStyle>
+          <a:p>
+            <a:fld id="{23CA0849-FF23-46FE-8354-E6346A3A4817}" type="datetimeFigureOut">
+              <a:rPr lang="pt-PT" smtClean="0"/>
+              <a:t>31-01-2018</a:t>
+            </a:fld>
+            <a:endParaRPr lang="pt-PT"/>
+          </a:p>
+        </p:txBody>
+      </p:sp>
+      <p:sp>
+        <p:nvSpPr>
+          <p:cNvPr id="4" name="Marcador de Posição da Imagem do Diapositivo 3"/>
+          <p:cNvSpPr>
+            <a:spLocks noGrp="1" noRot="1" noChangeAspect="1"/>
+          </p:cNvSpPr>
+          <p:nvPr>
+            <p:ph type="sldImg" idx="2"/>
+          </p:nvPr>
+        </p:nvSpPr>
+        <p:spPr>
+          <a:xfrm>
+            <a:off x="685800" y="1143000"/>
+            <a:ext cx="5486400" cy="3086100"/>
+          </a:xfrm>
+          <a:prstGeom prst="rect">
+            <a:avLst/>
+          </a:prstGeom>
+          <a:noFill/>
+          <a:ln w="12700">
+            <a:solidFill>
+              <a:prstClr val="black"/>
+            </a:solidFill>
+          </a:ln>
+        </p:spPr>
+        <p:txBody>
+          <a:bodyPr vert="horz" lIns="91440" tIns="45720" rIns="91440" bIns="45720" rtlCol="0" anchor="ctr"/>
+          <a:lstStyle/>
+          <a:p>
+            <a:endParaRPr lang="pt-PT"/>
+          </a:p>
+        </p:txBody>
+      </p:sp>
+      <p:sp>
+        <p:nvSpPr>
+          <p:cNvPr id="5" name="Marcador de Posição de Notas 4"/>
+          <p:cNvSpPr>
+            <a:spLocks noGrp="1"/>
+          </p:cNvSpPr>
+          <p:nvPr>
+            <p:ph type="body" sz="quarter" idx="3"/>
+          </p:nvPr>
+        </p:nvSpPr>
+        <p:spPr>
+          <a:xfrm>
+            <a:off x="685800" y="4400550"/>
+            <a:ext cx="5486400" cy="3600450"/>
+          </a:xfrm>
+          <a:prstGeom prst="rect">
+            <a:avLst/>
+          </a:prstGeom>
+        </p:spPr>
+        <p:txBody>
+          <a:bodyPr vert="horz" lIns="91440" tIns="45720" rIns="91440" bIns="45720" rtlCol="0"/>
+          <a:lstStyle/>
+          <a:p>
+            <a:pPr lvl="0"/>
+            <a:r>
+              <a:rPr lang="pt-PT" smtClean="0"/>
+              <a:t>Clique para editar os estilos</a:t>
+            </a:r>
+          </a:p>
+          <a:p>
+            <a:pPr lvl="1"/>
+            <a:r>
+              <a:rPr lang="pt-PT" smtClean="0"/>
+              <a:t>Segundo nível</a:t>
+            </a:r>
+          </a:p>
+          <a:p>
+            <a:pPr lvl="2"/>
+            <a:r>
+              <a:rPr lang="pt-PT" smtClean="0"/>
+              <a:t>Terceiro nível</a:t>
+            </a:r>
+          </a:p>
+          <a:p>
+            <a:pPr lvl="3"/>
+            <a:r>
+              <a:rPr lang="pt-PT" smtClean="0"/>
+              <a:t>Quarto nível</a:t>
+            </a:r>
+          </a:p>
+          <a:p>
+            <a:pPr lvl="4"/>
+            <a:r>
+              <a:rPr lang="pt-PT" smtClean="0"/>
+              <a:t>Quinto nível</a:t>
+            </a:r>
+            <a:endParaRPr lang="pt-PT"/>
+          </a:p>
+        </p:txBody>
+      </p:sp>
+      <p:sp>
+        <p:nvSpPr>
+          <p:cNvPr id="6" name="Marcador de Posição do Rodapé 5"/>
+          <p:cNvSpPr>
+            <a:spLocks noGrp="1"/>
+          </p:cNvSpPr>
+          <p:nvPr>
+            <p:ph type="ftr" sz="quarter" idx="4"/>
+          </p:nvPr>
+        </p:nvSpPr>
+        <p:spPr>
+          <a:xfrm>
+            <a:off x="0" y="8685213"/>
+            <a:ext cx="2971800" cy="458787"/>
+          </a:xfrm>
+          <a:prstGeom prst="rect">
+            <a:avLst/>
+          </a:prstGeom>
+        </p:spPr>
+        <p:txBody>
+          <a:bodyPr vert="horz" lIns="91440" tIns="45720" rIns="91440" bIns="45720" rtlCol="0" anchor="b"/>
+          <a:lstStyle>
+            <a:lvl1pPr algn="l">
+              <a:defRPr sz="1200"/>
+            </a:lvl1pPr>
+          </a:lstStyle>
+          <a:p>
+            <a:endParaRPr lang="pt-PT"/>
+          </a:p>
+        </p:txBody>
+      </p:sp>
+      <p:sp>
+        <p:nvSpPr>
+          <p:cNvPr id="7" name="Marcador de Posição do Número do Diapositivo 6"/>
+          <p:cNvSpPr>
+            <a:spLocks noGrp="1"/>
+          </p:cNvSpPr>
+          <p:nvPr>
+            <p:ph type="sldNum" sz="quarter" idx="5"/>
+          </p:nvPr>
+        </p:nvSpPr>
+        <p:spPr>
+          <a:xfrm>
+            <a:off x="3884613" y="8685213"/>
+            <a:ext cx="2971800" cy="458787"/>
+          </a:xfrm>
+          <a:prstGeom prst="rect">
+            <a:avLst/>
+          </a:prstGeom>
+        </p:spPr>
+        <p:txBody>
+          <a:bodyPr vert="horz" lIns="91440" tIns="45720" rIns="91440" bIns="45720" rtlCol="0" anchor="b"/>
+          <a:lstStyle>
+            <a:lvl1pPr algn="r">
+              <a:defRPr sz="1200"/>
+            </a:lvl1pPr>
+          </a:lstStyle>
+          <a:p>
+            <a:fld id="{30666238-3F1D-474D-B9F9-01AEBDD7FF7E}" type="slidenum">
+              <a:rPr lang="pt-PT" smtClean="0"/>
+              <a:t>‹nº›</a:t>
+            </a:fld>
+            <a:endParaRPr lang="pt-PT"/>
+          </a:p>
+        </p:txBody>
+      </p:sp>
+    </p:spTree>
+    <p:extLst>
+      <p:ext uri="{BB962C8B-B14F-4D97-AF65-F5344CB8AC3E}">
+        <p14:creationId xmlns:p14="http://schemas.microsoft.com/office/powerpoint/2010/main" val="2913927269"/>
+      </p:ext>
+    </p:extLst>
+  </p:cSld>
+  <p:clrMap bg1="lt1" tx1="dk1" bg2="lt2" tx2="dk2" accent1="accent1" accent2="accent2" accent3="accent3" accent4="accent4" accent5="accent5" accent6="accent6" hlink="hlink" folHlink="folHlink"/>
+  <p:notesStyle>
+    <a:lvl1pPr marL="0" algn="l" defTabSz="914400" rtl="0" eaLnBrk="1" latinLnBrk="0" hangingPunct="1">
+      <a:defRPr sz="1200" kern="1200">
+        <a:solidFill>
+          <a:schemeClr val="tx1"/>
+        </a:solidFill>
+        <a:latin typeface="+mn-lt"/>
+        <a:ea typeface="+mn-ea"/>
+        <a:cs typeface="+mn-cs"/>
+      </a:defRPr>
+    </a:lvl1pPr>
+    <a:lvl2pPr marL="457200" algn="l" defTabSz="914400" rtl="0" eaLnBrk="1" latinLnBrk="0" hangingPunct="1">
+      <a:defRPr sz="1200" kern="1200">
+        <a:solidFill>
+          <a:schemeClr val="tx1"/>
+        </a:solidFill>
+        <a:latin typeface="+mn-lt"/>
+        <a:ea typeface="+mn-ea"/>
+        <a:cs typeface="+mn-cs"/>
+      </a:defRPr>
+    </a:lvl2pPr>
+    <a:lvl3pPr marL="914400" algn="l" defTabSz="914400" rtl="0" eaLnBrk="1" latinLnBrk="0" hangingPunct="1">
+      <a:defRPr sz="1200" kern="1200">
+        <a:solidFill>
+          <a:schemeClr val="tx1"/>
+        </a:solidFill>
+        <a:latin typeface="+mn-lt"/>
+        <a:ea typeface="+mn-ea"/>
+        <a:cs typeface="+mn-cs"/>
+      </a:defRPr>
+    </a:lvl3pPr>
+    <a:lvl4pPr marL="1371600" algn="l" defTabSz="914400" rtl="0" eaLnBrk="1" latinLnBrk="0" hangingPunct="1">
+      <a:defRPr sz="1200" kern="1200">
+        <a:solidFill>
+          <a:schemeClr val="tx1"/>
+        </a:solidFill>
+        <a:latin typeface="+mn-lt"/>
+        <a:ea typeface="+mn-ea"/>
+        <a:cs typeface="+mn-cs"/>
+      </a:defRPr>
+    </a:lvl4pPr>
+    <a:lvl5pPr marL="1828800" algn="l" defTabSz="914400" rtl="0" eaLnBrk="1" latinLnBrk="0" hangingPunct="1">
+      <a:defRPr sz="1200" kern="1200">
+        <a:solidFill>
+          <a:schemeClr val="tx1"/>
+        </a:solidFill>
+        <a:latin typeface="+mn-lt"/>
+        <a:ea typeface="+mn-ea"/>
+        <a:cs typeface="+mn-cs"/>
+      </a:defRPr>
+    </a:lvl5pPr>
+    <a:lvl6pPr marL="2286000" algn="l" defTabSz="914400" rtl="0" eaLnBrk="1" latinLnBrk="0" hangingPunct="1">
+      <a:defRPr sz="1200" kern="1200">
+        <a:solidFill>
+          <a:schemeClr val="tx1"/>
+        </a:solidFill>
+        <a:latin typeface="+mn-lt"/>
+        <a:ea typeface="+mn-ea"/>
+        <a:cs typeface="+mn-cs"/>
+      </a:defRPr>
+    </a:lvl6pPr>
+    <a:lvl7pPr marL="2743200" algn="l" defTabSz="914400" rtl="0" eaLnBrk="1" latinLnBrk="0" hangingPunct="1">
+      <a:defRPr sz="1200" kern="1200">
+        <a:solidFill>
+          <a:schemeClr val="tx1"/>
+        </a:solidFill>
+        <a:latin typeface="+mn-lt"/>
+        <a:ea typeface="+mn-ea"/>
+        <a:cs typeface="+mn-cs"/>
+      </a:defRPr>
+    </a:lvl7pPr>
+    <a:lvl8pPr marL="3200400" algn="l" defTabSz="914400" rtl="0" eaLnBrk="1" latinLnBrk="0" hangingPunct="1">
+      <a:defRPr sz="1200" kern="1200">
+        <a:solidFill>
+          <a:schemeClr val="tx1"/>
+        </a:solidFill>
+        <a:latin typeface="+mn-lt"/>
+        <a:ea typeface="+mn-ea"/>
+        <a:cs typeface="+mn-cs"/>
+      </a:defRPr>
+    </a:lvl8pPr>
+    <a:lvl9pPr marL="3657600" algn="l" defTabSz="914400" rtl="0" eaLnBrk="1" latinLnBrk="0" hangingPunct="1">
+      <a:defRPr sz="1200" kern="1200">
+        <a:solidFill>
+          <a:schemeClr val="tx1"/>
+        </a:solidFill>
+        <a:latin typeface="+mn-lt"/>
+        <a:ea typeface="+mn-ea"/>
+        <a:cs typeface="+mn-cs"/>
+      </a:defRPr>
+    </a:lvl9pPr>
+  </p:notesStyle>
+</p:notesMaster>
+</file>
+
+<file path=ppt/notesSlides/notesSlide1.xml><?xml version="1.0" encoding="utf-8"?>
+<p:notes xmlns:a="http://schemas.openxmlformats.org/drawingml/2006/main" xmlns:r="http://schemas.openxmlformats.org/officeDocument/2006/relationships" xmlns:p="http://schemas.openxmlformats.org/presentationml/2006/main">
+  <p:cSld>
+    <p:spTree>
+      <p:nvGrpSpPr>
+        <p:cNvPr id="1" name=""/>
+        <p:cNvGrpSpPr/>
+        <p:nvPr/>
+      </p:nvGrpSpPr>
+      <p:grpSpPr>
+        <a:xfrm>
+          <a:off x="0" y="0"/>
+          <a:ext cx="0" cy="0"/>
+          <a:chOff x="0" y="0"/>
+          <a:chExt cx="0" cy="0"/>
+        </a:xfrm>
+      </p:grpSpPr>
+      <p:sp>
+        <p:nvSpPr>
+          <p:cNvPr id="2" name="Marcador de Posição da Imagem do Diapositivo 1"/>
+          <p:cNvSpPr>
+            <a:spLocks noGrp="1" noRot="1" noChangeAspect="1"/>
+          </p:cNvSpPr>
+          <p:nvPr>
+            <p:ph type="sldImg"/>
+          </p:nvPr>
+        </p:nvSpPr>
+        <p:spPr/>
+      </p:sp>
+      <p:sp>
+        <p:nvSpPr>
+          <p:cNvPr id="3" name="Marcador de Posição de Notas 2"/>
+          <p:cNvSpPr>
+            <a:spLocks noGrp="1"/>
+          </p:cNvSpPr>
+          <p:nvPr>
+            <p:ph type="body" idx="1"/>
+          </p:nvPr>
+        </p:nvSpPr>
+        <p:spPr/>
+        <p:txBody>
+          <a:bodyPr/>
+          <a:lstStyle/>
+          <a:p>
+            <a:endParaRPr lang="pt-PT" dirty="0"/>
+          </a:p>
+        </p:txBody>
+      </p:sp>
+      <p:sp>
+        <p:nvSpPr>
+          <p:cNvPr id="4" name="Marcador de Posição do Número do Diapositivo 3"/>
+          <p:cNvSpPr>
+            <a:spLocks noGrp="1"/>
+          </p:cNvSpPr>
+          <p:nvPr>
+            <p:ph type="sldNum" sz="quarter" idx="10"/>
+          </p:nvPr>
+        </p:nvSpPr>
+        <p:spPr/>
+        <p:txBody>
+          <a:bodyPr/>
+          <a:lstStyle/>
+          <a:p>
+            <a:fld id="{30666238-3F1D-474D-B9F9-01AEBDD7FF7E}" type="slidenum">
+              <a:rPr lang="pt-PT" smtClean="0"/>
+              <a:t>22</a:t>
+            </a:fld>
+            <a:endParaRPr lang="pt-PT"/>
+          </a:p>
+        </p:txBody>
+      </p:sp>
+    </p:spTree>
+    <p:extLst>
+      <p:ext uri="{BB962C8B-B14F-4D97-AF65-F5344CB8AC3E}">
+        <p14:creationId xmlns:p14="http://schemas.microsoft.com/office/powerpoint/2010/main" val="130093622"/>
+      </p:ext>
+    </p:extLst>
+  </p:cSld>
+  <p:clrMapOvr>
+    <a:masterClrMapping/>
+  </p:clrMapOvr>
+</p:notes>
+</file>
+
 <file path=ppt/slideLayouts/slideLayout1.xml><?xml version="1.0" encoding="utf-8"?>
 <p:sldLayout xmlns:a="http://schemas.openxmlformats.org/drawingml/2006/main" xmlns:r="http://schemas.openxmlformats.org/officeDocument/2006/relationships" xmlns:p="http://schemas.openxmlformats.org/presentationml/2006/main" type="title" preserve="1">
   <p:cSld name="Diapositivo de título">
@@ -364,7 +801,7 @@
             <a:fld id="{B61BEF0D-F0BB-DE4B-95CE-6DB70DBA9567}" type="datetimeFigureOut">
               <a:rPr lang="en-US" dirty="0"/>
               <a:pPr/>
-              <a:t>1/25/2018</a:t>
+              <a:t>1/31/2018</a:t>
             </a:fld>
             <a:endParaRPr lang="en-US" dirty="0"/>
           </a:p>
@@ -695,7 +1132,7 @@
             <a:fld id="{B61BEF0D-F0BB-DE4B-95CE-6DB70DBA9567}" type="datetimeFigureOut">
               <a:rPr lang="en-US" dirty="0"/>
               <a:pPr/>
-              <a:t>1/25/2018</a:t>
+              <a:t>1/31/2018</a:t>
             </a:fld>
             <a:endParaRPr lang="en-US" dirty="0"/>
           </a:p>
@@ -970,7 +1407,7 @@
             <a:fld id="{B61BEF0D-F0BB-DE4B-95CE-6DB70DBA9567}" type="datetimeFigureOut">
               <a:rPr lang="en-US" dirty="0"/>
               <a:pPr/>
-              <a:t>1/25/2018</a:t>
+              <a:t>1/31/2018</a:t>
             </a:fld>
             <a:endParaRPr lang="en-US" dirty="0"/>
           </a:p>
@@ -1535,7 +1972,7 @@
             <a:fld id="{B61BEF0D-F0BB-DE4B-95CE-6DB70DBA9567}" type="datetimeFigureOut">
               <a:rPr lang="en-US" dirty="0"/>
               <a:pPr/>
-              <a:t>1/25/2018</a:t>
+              <a:t>1/31/2018</a:t>
             </a:fld>
             <a:endParaRPr lang="en-US" dirty="0"/>
           </a:p>
@@ -1810,7 +2247,7 @@
             <a:fld id="{B61BEF0D-F0BB-DE4B-95CE-6DB70DBA9567}" type="datetimeFigureOut">
               <a:rPr lang="en-US" dirty="0"/>
               <a:pPr/>
-              <a:t>1/25/2018</a:t>
+              <a:t>1/31/2018</a:t>
             </a:fld>
             <a:endParaRPr lang="en-US" dirty="0"/>
           </a:p>
@@ -2369,7 +2806,7 @@
             <a:fld id="{B61BEF0D-F0BB-DE4B-95CE-6DB70DBA9567}" type="datetimeFigureOut">
               <a:rPr lang="en-US" dirty="0"/>
               <a:pPr/>
-              <a:t>1/25/2018</a:t>
+              <a:t>1/31/2018</a:t>
             </a:fld>
             <a:endParaRPr lang="en-US" dirty="0"/>
           </a:p>
@@ -2693,7 +3130,7 @@
             <a:fld id="{B61BEF0D-F0BB-DE4B-95CE-6DB70DBA9567}" type="datetimeFigureOut">
               <a:rPr lang="en-US" dirty="0"/>
               <a:pPr/>
-              <a:t>1/25/2018</a:t>
+              <a:t>1/31/2018</a:t>
             </a:fld>
             <a:endParaRPr lang="en-US" dirty="0"/>
           </a:p>
@@ -2895,7 +3332,7 @@
             <a:fld id="{B61BEF0D-F0BB-DE4B-95CE-6DB70DBA9567}" type="datetimeFigureOut">
               <a:rPr lang="en-US" dirty="0"/>
               <a:pPr/>
-              <a:t>1/25/2018</a:t>
+              <a:t>1/31/2018</a:t>
             </a:fld>
             <a:endParaRPr lang="en-US" dirty="0"/>
           </a:p>
@@ -3102,7 +3539,7 @@
             <a:fld id="{B61BEF0D-F0BB-DE4B-95CE-6DB70DBA9567}" type="datetimeFigureOut">
               <a:rPr lang="en-US" dirty="0"/>
               <a:pPr/>
-              <a:t>1/25/2018</a:t>
+              <a:t>1/31/2018</a:t>
             </a:fld>
             <a:endParaRPr lang="en-US" dirty="0"/>
           </a:p>
@@ -3299,7 +3736,7 @@
             <a:fld id="{B61BEF0D-F0BB-DE4B-95CE-6DB70DBA9567}" type="datetimeFigureOut">
               <a:rPr lang="en-US" dirty="0"/>
               <a:pPr/>
-              <a:t>1/25/2018</a:t>
+              <a:t>1/31/2018</a:t>
             </a:fld>
             <a:endParaRPr lang="en-US" dirty="0"/>
           </a:p>
@@ -3572,7 +4009,7 @@
             <a:fld id="{B61BEF0D-F0BB-DE4B-95CE-6DB70DBA9567}" type="datetimeFigureOut">
               <a:rPr lang="en-US" dirty="0"/>
               <a:pPr/>
-              <a:t>1/25/2018</a:t>
+              <a:t>1/31/2018</a:t>
             </a:fld>
             <a:endParaRPr lang="en-US" dirty="0"/>
           </a:p>
@@ -3835,7 +4272,7 @@
             <a:fld id="{B61BEF0D-F0BB-DE4B-95CE-6DB70DBA9567}" type="datetimeFigureOut">
               <a:rPr lang="en-US" dirty="0"/>
               <a:pPr/>
-              <a:t>1/25/2018</a:t>
+              <a:t>1/31/2018</a:t>
             </a:fld>
             <a:endParaRPr lang="en-US" dirty="0"/>
           </a:p>
@@ -4206,7 +4643,7 @@
             <a:fld id="{B61BEF0D-F0BB-DE4B-95CE-6DB70DBA9567}" type="datetimeFigureOut">
               <a:rPr lang="en-US" dirty="0"/>
               <a:pPr/>
-              <a:t>1/25/2018</a:t>
+              <a:t>1/31/2018</a:t>
             </a:fld>
             <a:endParaRPr lang="en-US" dirty="0"/>
           </a:p>
@@ -4351,7 +4788,7 @@
             <a:fld id="{B61BEF0D-F0BB-DE4B-95CE-6DB70DBA9567}" type="datetimeFigureOut">
               <a:rPr lang="en-US" dirty="0"/>
               <a:pPr/>
-              <a:t>1/25/2018</a:t>
+              <a:t>1/31/2018</a:t>
             </a:fld>
             <a:endParaRPr lang="en-US" dirty="0"/>
           </a:p>
@@ -4473,7 +4910,7 @@
             <a:fld id="{B61BEF0D-F0BB-DE4B-95CE-6DB70DBA9567}" type="datetimeFigureOut">
               <a:rPr lang="en-US" dirty="0"/>
               <a:pPr/>
-              <a:t>1/25/2018</a:t>
+              <a:t>1/31/2018</a:t>
             </a:fld>
             <a:endParaRPr lang="en-US" dirty="0"/>
           </a:p>
@@ -4755,7 +5192,7 @@
             <a:fld id="{B61BEF0D-F0BB-DE4B-95CE-6DB70DBA9567}" type="datetimeFigureOut">
               <a:rPr lang="en-US" dirty="0"/>
               <a:pPr/>
-              <a:t>1/25/2018</a:t>
+              <a:t>1/31/2018</a:t>
             </a:fld>
             <a:endParaRPr lang="en-US" dirty="0"/>
           </a:p>
@@ -5076,7 +5513,7 @@
             <a:fld id="{B61BEF0D-F0BB-DE4B-95CE-6DB70DBA9567}" type="datetimeFigureOut">
               <a:rPr lang="en-US" dirty="0"/>
               <a:pPr/>
-              <a:t>1/25/2018</a:t>
+              <a:t>1/31/2018</a:t>
             </a:fld>
             <a:endParaRPr lang="en-US" dirty="0"/>
           </a:p>
@@ -5287,7 +5724,7 @@
             <a:fld id="{B61BEF0D-F0BB-DE4B-95CE-6DB70DBA9567}" type="datetimeFigureOut">
               <a:rPr lang="en-US" dirty="0"/>
               <a:pPr/>
-              <a:t>1/25/2018</a:t>
+              <a:t>1/31/2018</a:t>
             </a:fld>
             <a:endParaRPr lang="en-US" dirty="0"/>
           </a:p>
@@ -7625,6 +8062,13 @@
   <p:clrMapOvr>
     <a:masterClrMapping/>
   </p:clrMapOvr>
+  <p:timing>
+    <p:tnLst>
+      <p:par>
+        <p:cTn id="1" dur="indefinite" restart="never" nodeType="tmRoot"/>
+      </p:par>
+    </p:tnLst>
+  </p:timing>
 </p:sld>
 </file>
 
@@ -7937,6 +8381,13 @@
   <p:clrMapOvr>
     <a:masterClrMapping/>
   </p:clrMapOvr>
+  <p:timing>
+    <p:tnLst>
+      <p:par>
+        <p:cTn id="1" dur="indefinite" restart="never" nodeType="tmRoot"/>
+      </p:par>
+    </p:tnLst>
+  </p:timing>
 </p:sld>
 </file>
 
@@ -8297,6 +8748,13 @@
   <p:clrMapOvr>
     <a:masterClrMapping/>
   </p:clrMapOvr>
+  <p:timing>
+    <p:tnLst>
+      <p:par>
+        <p:cTn id="1" dur="indefinite" restart="never" nodeType="tmRoot"/>
+      </p:par>
+    </p:tnLst>
+  </p:timing>
 </p:sld>
 </file>
 
@@ -8455,6 +8913,13 @@
   <p:clrMapOvr>
     <a:masterClrMapping/>
   </p:clrMapOvr>
+  <p:timing>
+    <p:tnLst>
+      <p:par>
+        <p:cTn id="1" dur="indefinite" restart="never" nodeType="tmRoot"/>
+      </p:par>
+    </p:tnLst>
+  </p:timing>
 </p:sld>
 </file>
 
@@ -9476,7 +9941,15 @@
             <a:pPr lvl="0"/>
             <a:r>
               <a:rPr lang="pt-PT" dirty="0"/>
-              <a:t>São do mesmo tipo dos que são usados em aparelhos de televisão (para ligação à antena) ou em aparelhos de vídeo;</a:t>
+              <a:t>São </a:t>
+            </a:r>
+            <a:r>
+              <a:rPr lang="pt-PT" dirty="0" smtClean="0"/>
+              <a:t>usados </a:t>
+            </a:r>
+            <a:r>
+              <a:rPr lang="pt-PT" dirty="0"/>
+              <a:t>em aparelhos de televisão (para ligação à antena) ou em aparelhos de vídeo;</a:t>
             </a:r>
           </a:p>
           <a:p>
@@ -9796,4 +10269,265 @@
     </a:ext>
   </a:extLst>
 </a:theme>
+</file>
+
+<file path=ppt/theme/theme2.xml><?xml version="1.0" encoding="utf-8"?>
+<a:theme xmlns:a="http://schemas.openxmlformats.org/drawingml/2006/main" name="Tema do Office">
+  <a:themeElements>
+    <a:clrScheme name="Office">
+      <a:dk1>
+        <a:sysClr val="windowText" lastClr="000000"/>
+      </a:dk1>
+      <a:lt1>
+        <a:sysClr val="window" lastClr="FFFFFF"/>
+      </a:lt1>
+      <a:dk2>
+        <a:srgbClr val="44546A"/>
+      </a:dk2>
+      <a:lt2>
+        <a:srgbClr val="E7E6E6"/>
+      </a:lt2>
+      <a:accent1>
+        <a:srgbClr val="5B9BD5"/>
+      </a:accent1>
+      <a:accent2>
+        <a:srgbClr val="ED7D31"/>
+      </a:accent2>
+      <a:accent3>
+        <a:srgbClr val="A5A5A5"/>
+      </a:accent3>
+      <a:accent4>
+        <a:srgbClr val="FFC000"/>
+      </a:accent4>
+      <a:accent5>
+        <a:srgbClr val="4472C4"/>
+      </a:accent5>
+      <a:accent6>
+        <a:srgbClr val="70AD47"/>
+      </a:accent6>
+      <a:hlink>
+        <a:srgbClr val="0563C1"/>
+      </a:hlink>
+      <a:folHlink>
+        <a:srgbClr val="954F72"/>
+      </a:folHlink>
+    </a:clrScheme>
+    <a:fontScheme name="Office">
+      <a:majorFont>
+        <a:latin typeface="Calibri Light" panose="020F0302020204030204"/>
+        <a:ea typeface=""/>
+        <a:cs typeface=""/>
+        <a:font script="Jpan" typeface="ＭＳ Ｐゴシック"/>
+        <a:font script="Hang" typeface="맑은 고딕"/>
+        <a:font script="Hans" typeface="宋体"/>
+        <a:font script="Hant" typeface="新細明體"/>
+        <a:font script="Arab" typeface="Times New Roman"/>
+        <a:font script="Hebr" typeface="Times New Roman"/>
+        <a:font script="Thai" typeface="Angsana New"/>
+        <a:font script="Ethi" typeface="Nyala"/>
+        <a:font script="Beng" typeface="Vrinda"/>
+        <a:font script="Gujr" typeface="Shruti"/>
+        <a:font script="Khmr" typeface="MoolBoran"/>
+        <a:font script="Knda" typeface="Tunga"/>
+        <a:font script="Guru" typeface="Raavi"/>
+        <a:font script="Cans" typeface="Euphemia"/>
+        <a:font script="Cher" typeface="Plantagenet Cherokee"/>
+        <a:font script="Yiii" typeface="Microsoft Yi Baiti"/>
+        <a:font script="Tibt" typeface="Microsoft Himalaya"/>
+        <a:font script="Thaa" typeface="MV Boli"/>
+        <a:font script="Deva" typeface="Mangal"/>
+        <a:font script="Telu" typeface="Gautami"/>
+        <a:font script="Taml" typeface="Latha"/>
+        <a:font script="Syrc" typeface="Estrangelo Edessa"/>
+        <a:font script="Orya" typeface="Kalinga"/>
+        <a:font script="Mlym" typeface="Kartika"/>
+        <a:font script="Laoo" typeface="DokChampa"/>
+        <a:font script="Sinh" typeface="Iskoola Pota"/>
+        <a:font script="Mong" typeface="Mongolian Baiti"/>
+        <a:font script="Viet" typeface="Times New Roman"/>
+        <a:font script="Uigh" typeface="Microsoft Uighur"/>
+        <a:font script="Geor" typeface="Sylfaen"/>
+      </a:majorFont>
+      <a:minorFont>
+        <a:latin typeface="Calibri" panose="020F0502020204030204"/>
+        <a:ea typeface=""/>
+        <a:cs typeface=""/>
+        <a:font script="Jpan" typeface="ＭＳ Ｐゴシック"/>
+        <a:font script="Hang" typeface="맑은 고딕"/>
+        <a:font script="Hans" typeface="宋体"/>
+        <a:font script="Hant" typeface="新細明體"/>
+        <a:font script="Arab" typeface="Arial"/>
+        <a:font script="Hebr" typeface="Arial"/>
+        <a:font script="Thai" typeface="Cordia New"/>
+        <a:font script="Ethi" typeface="Nyala"/>
+        <a:font script="Beng" typeface="Vrinda"/>
+        <a:font script="Gujr" typeface="Shruti"/>
+        <a:font script="Khmr" typeface="DaunPenh"/>
+        <a:font script="Knda" typeface="Tunga"/>
+        <a:font script="Guru" typeface="Raavi"/>
+        <a:font script="Cans" typeface="Euphemia"/>
+        <a:font script="Cher" typeface="Plantagenet Cherokee"/>
+        <a:font script="Yiii" typeface="Microsoft Yi Baiti"/>
+        <a:font script="Tibt" typeface="Microsoft Himalaya"/>
+        <a:font script="Thaa" typeface="MV Boli"/>
+        <a:font script="Deva" typeface="Mangal"/>
+        <a:font script="Telu" typeface="Gautami"/>
+        <a:font script="Taml" typeface="Latha"/>
+        <a:font script="Syrc" typeface="Estrangelo Edessa"/>
+        <a:font script="Orya" typeface="Kalinga"/>
+        <a:font script="Mlym" typeface="Kartika"/>
+        <a:font script="Laoo" typeface="DokChampa"/>
+        <a:font script="Sinh" typeface="Iskoola Pota"/>
+        <a:font script="Mong" typeface="Mongolian Baiti"/>
+        <a:font script="Viet" typeface="Arial"/>
+        <a:font script="Uigh" typeface="Microsoft Uighur"/>
+        <a:font script="Geor" typeface="Sylfaen"/>
+      </a:minorFont>
+    </a:fontScheme>
+    <a:fmtScheme name="Office">
+      <a:fillStyleLst>
+        <a:solidFill>
+          <a:schemeClr val="phClr"/>
+        </a:solidFill>
+        <a:gradFill rotWithShape="1">
+          <a:gsLst>
+            <a:gs pos="0">
+              <a:schemeClr val="phClr">
+                <a:lumMod val="110000"/>
+                <a:satMod val="105000"/>
+                <a:tint val="67000"/>
+              </a:schemeClr>
+            </a:gs>
+            <a:gs pos="50000">
+              <a:schemeClr val="phClr">
+                <a:lumMod val="105000"/>
+                <a:satMod val="103000"/>
+                <a:tint val="73000"/>
+              </a:schemeClr>
+            </a:gs>
+            <a:gs pos="100000">
+              <a:schemeClr val="phClr">
+                <a:lumMod val="105000"/>
+                <a:satMod val="109000"/>
+                <a:tint val="81000"/>
+              </a:schemeClr>
+            </a:gs>
+          </a:gsLst>
+          <a:lin ang="5400000" scaled="0"/>
+        </a:gradFill>
+        <a:gradFill rotWithShape="1">
+          <a:gsLst>
+            <a:gs pos="0">
+              <a:schemeClr val="phClr">
+                <a:satMod val="103000"/>
+                <a:lumMod val="102000"/>
+                <a:tint val="94000"/>
+              </a:schemeClr>
+            </a:gs>
+            <a:gs pos="50000">
+              <a:schemeClr val="phClr">
+                <a:satMod val="110000"/>
+                <a:lumMod val="100000"/>
+                <a:shade val="100000"/>
+              </a:schemeClr>
+            </a:gs>
+            <a:gs pos="100000">
+              <a:schemeClr val="phClr">
+                <a:lumMod val="99000"/>
+                <a:satMod val="120000"/>
+                <a:shade val="78000"/>
+              </a:schemeClr>
+            </a:gs>
+          </a:gsLst>
+          <a:lin ang="5400000" scaled="0"/>
+        </a:gradFill>
+      </a:fillStyleLst>
+      <a:lnStyleLst>
+        <a:ln w="6350" cap="flat" cmpd="sng" algn="ctr">
+          <a:solidFill>
+            <a:schemeClr val="phClr"/>
+          </a:solidFill>
+          <a:prstDash val="solid"/>
+          <a:miter lim="800000"/>
+        </a:ln>
+        <a:ln w="12700" cap="flat" cmpd="sng" algn="ctr">
+          <a:solidFill>
+            <a:schemeClr val="phClr"/>
+          </a:solidFill>
+          <a:prstDash val="solid"/>
+          <a:miter lim="800000"/>
+        </a:ln>
+        <a:ln w="19050" cap="flat" cmpd="sng" algn="ctr">
+          <a:solidFill>
+            <a:schemeClr val="phClr"/>
+          </a:solidFill>
+          <a:prstDash val="solid"/>
+          <a:miter lim="800000"/>
+        </a:ln>
+      </a:lnStyleLst>
+      <a:effectStyleLst>
+        <a:effectStyle>
+          <a:effectLst/>
+        </a:effectStyle>
+        <a:effectStyle>
+          <a:effectLst/>
+        </a:effectStyle>
+        <a:effectStyle>
+          <a:effectLst>
+            <a:outerShdw blurRad="57150" dist="19050" dir="5400000" algn="ctr" rotWithShape="0">
+              <a:srgbClr val="000000">
+                <a:alpha val="63000"/>
+              </a:srgbClr>
+            </a:outerShdw>
+          </a:effectLst>
+        </a:effectStyle>
+      </a:effectStyleLst>
+      <a:bgFillStyleLst>
+        <a:solidFill>
+          <a:schemeClr val="phClr"/>
+        </a:solidFill>
+        <a:solidFill>
+          <a:schemeClr val="phClr">
+            <a:tint val="95000"/>
+            <a:satMod val="170000"/>
+          </a:schemeClr>
+        </a:solidFill>
+        <a:gradFill rotWithShape="1">
+          <a:gsLst>
+            <a:gs pos="0">
+              <a:schemeClr val="phClr">
+                <a:tint val="93000"/>
+                <a:satMod val="150000"/>
+                <a:shade val="98000"/>
+                <a:lumMod val="102000"/>
+              </a:schemeClr>
+            </a:gs>
+            <a:gs pos="50000">
+              <a:schemeClr val="phClr">
+                <a:tint val="98000"/>
+                <a:satMod val="130000"/>
+                <a:shade val="90000"/>
+                <a:lumMod val="103000"/>
+              </a:schemeClr>
+            </a:gs>
+            <a:gs pos="100000">
+              <a:schemeClr val="phClr">
+                <a:shade val="63000"/>
+                <a:satMod val="120000"/>
+              </a:schemeClr>
+            </a:gs>
+          </a:gsLst>
+          <a:lin ang="5400000" scaled="0"/>
+        </a:gradFill>
+      </a:bgFillStyleLst>
+    </a:fmtScheme>
+  </a:themeElements>
+  <a:objectDefaults/>
+  <a:extraClrSchemeLst/>
+  <a:extLst>
+    <a:ext uri="{05A4C25C-085E-4340-85A3-A5531E510DB2}">
+      <thm15:themeFamily xmlns:thm15="http://schemas.microsoft.com/office/thememl/2012/main" name="Office Theme" id="{62F939B6-93AF-4DB8-9C6B-D6C7DFDC589F}" vid="{4A3C46E8-61CC-4603-A589-7422A47A8E4A}"/>
+    </a:ext>
+  </a:extLst>
+</a:theme>
 </file>
--- a/Trabalho pratico.pptx
+++ b/Trabalho pratico.pptx
@@ -219,7 +219,7 @@
           <a:p>
             <a:fld id="{23CA0849-FF23-46FE-8354-E6346A3A4817}" type="datetimeFigureOut">
               <a:rPr lang="pt-PT" smtClean="0"/>
-              <a:t>31-01-2018</a:t>
+              <a:t>01-02-2018</a:t>
             </a:fld>
             <a:endParaRPr lang="pt-PT"/>
           </a:p>
@@ -801,7 +801,7 @@
             <a:fld id="{B61BEF0D-F0BB-DE4B-95CE-6DB70DBA9567}" type="datetimeFigureOut">
               <a:rPr lang="en-US" dirty="0"/>
               <a:pPr/>
-              <a:t>1/31/2018</a:t>
+              <a:t>2/1/2018</a:t>
             </a:fld>
             <a:endParaRPr lang="en-US" dirty="0"/>
           </a:p>
@@ -1132,7 +1132,7 @@
             <a:fld id="{B61BEF0D-F0BB-DE4B-95CE-6DB70DBA9567}" type="datetimeFigureOut">
               <a:rPr lang="en-US" dirty="0"/>
               <a:pPr/>
-              <a:t>1/31/2018</a:t>
+              <a:t>2/1/2018</a:t>
             </a:fld>
             <a:endParaRPr lang="en-US" dirty="0"/>
           </a:p>
@@ -1407,7 +1407,7 @@
             <a:fld id="{B61BEF0D-F0BB-DE4B-95CE-6DB70DBA9567}" type="datetimeFigureOut">
               <a:rPr lang="en-US" dirty="0"/>
               <a:pPr/>
-              <a:t>1/31/2018</a:t>
+              <a:t>2/1/2018</a:t>
             </a:fld>
             <a:endParaRPr lang="en-US" dirty="0"/>
           </a:p>
@@ -1972,7 +1972,7 @@
             <a:fld id="{B61BEF0D-F0BB-DE4B-95CE-6DB70DBA9567}" type="datetimeFigureOut">
               <a:rPr lang="en-US" dirty="0"/>
               <a:pPr/>
-              <a:t>1/31/2018</a:t>
+              <a:t>2/1/2018</a:t>
             </a:fld>
             <a:endParaRPr lang="en-US" dirty="0"/>
           </a:p>
@@ -2247,7 +2247,7 @@
             <a:fld id="{B61BEF0D-F0BB-DE4B-95CE-6DB70DBA9567}" type="datetimeFigureOut">
               <a:rPr lang="en-US" dirty="0"/>
               <a:pPr/>
-              <a:t>1/31/2018</a:t>
+              <a:t>2/1/2018</a:t>
             </a:fld>
             <a:endParaRPr lang="en-US" dirty="0"/>
           </a:p>
@@ -2806,7 +2806,7 @@
             <a:fld id="{B61BEF0D-F0BB-DE4B-95CE-6DB70DBA9567}" type="datetimeFigureOut">
               <a:rPr lang="en-US" dirty="0"/>
               <a:pPr/>
-              <a:t>1/31/2018</a:t>
+              <a:t>2/1/2018</a:t>
             </a:fld>
             <a:endParaRPr lang="en-US" dirty="0"/>
           </a:p>
@@ -3130,7 +3130,7 @@
             <a:fld id="{B61BEF0D-F0BB-DE4B-95CE-6DB70DBA9567}" type="datetimeFigureOut">
               <a:rPr lang="en-US" dirty="0"/>
               <a:pPr/>
-              <a:t>1/31/2018</a:t>
+              <a:t>2/1/2018</a:t>
             </a:fld>
             <a:endParaRPr lang="en-US" dirty="0"/>
           </a:p>
@@ -3332,7 +3332,7 @@
             <a:fld id="{B61BEF0D-F0BB-DE4B-95CE-6DB70DBA9567}" type="datetimeFigureOut">
               <a:rPr lang="en-US" dirty="0"/>
               <a:pPr/>
-              <a:t>1/31/2018</a:t>
+              <a:t>2/1/2018</a:t>
             </a:fld>
             <a:endParaRPr lang="en-US" dirty="0"/>
           </a:p>
@@ -3539,7 +3539,7 @@
             <a:fld id="{B61BEF0D-F0BB-DE4B-95CE-6DB70DBA9567}" type="datetimeFigureOut">
               <a:rPr lang="en-US" dirty="0"/>
               <a:pPr/>
-              <a:t>1/31/2018</a:t>
+              <a:t>2/1/2018</a:t>
             </a:fld>
             <a:endParaRPr lang="en-US" dirty="0"/>
           </a:p>
@@ -3736,7 +3736,7 @@
             <a:fld id="{B61BEF0D-F0BB-DE4B-95CE-6DB70DBA9567}" type="datetimeFigureOut">
               <a:rPr lang="en-US" dirty="0"/>
               <a:pPr/>
-              <a:t>1/31/2018</a:t>
+              <a:t>2/1/2018</a:t>
             </a:fld>
             <a:endParaRPr lang="en-US" dirty="0"/>
           </a:p>
@@ -4009,7 +4009,7 @@
             <a:fld id="{B61BEF0D-F0BB-DE4B-95CE-6DB70DBA9567}" type="datetimeFigureOut">
               <a:rPr lang="en-US" dirty="0"/>
               <a:pPr/>
-              <a:t>1/31/2018</a:t>
+              <a:t>2/1/2018</a:t>
             </a:fld>
             <a:endParaRPr lang="en-US" dirty="0"/>
           </a:p>
@@ -4272,7 +4272,7 @@
             <a:fld id="{B61BEF0D-F0BB-DE4B-95CE-6DB70DBA9567}" type="datetimeFigureOut">
               <a:rPr lang="en-US" dirty="0"/>
               <a:pPr/>
-              <a:t>1/31/2018</a:t>
+              <a:t>2/1/2018</a:t>
             </a:fld>
             <a:endParaRPr lang="en-US" dirty="0"/>
           </a:p>
@@ -4643,7 +4643,7 @@
             <a:fld id="{B61BEF0D-F0BB-DE4B-95CE-6DB70DBA9567}" type="datetimeFigureOut">
               <a:rPr lang="en-US" dirty="0"/>
               <a:pPr/>
-              <a:t>1/31/2018</a:t>
+              <a:t>2/1/2018</a:t>
             </a:fld>
             <a:endParaRPr lang="en-US" dirty="0"/>
           </a:p>
@@ -4788,7 +4788,7 @@
             <a:fld id="{B61BEF0D-F0BB-DE4B-95CE-6DB70DBA9567}" type="datetimeFigureOut">
               <a:rPr lang="en-US" dirty="0"/>
               <a:pPr/>
-              <a:t>1/31/2018</a:t>
+              <a:t>2/1/2018</a:t>
             </a:fld>
             <a:endParaRPr lang="en-US" dirty="0"/>
           </a:p>
@@ -4910,7 +4910,7 @@
             <a:fld id="{B61BEF0D-F0BB-DE4B-95CE-6DB70DBA9567}" type="datetimeFigureOut">
               <a:rPr lang="en-US" dirty="0"/>
               <a:pPr/>
-              <a:t>1/31/2018</a:t>
+              <a:t>2/1/2018</a:t>
             </a:fld>
             <a:endParaRPr lang="en-US" dirty="0"/>
           </a:p>
@@ -5192,7 +5192,7 @@
             <a:fld id="{B61BEF0D-F0BB-DE4B-95CE-6DB70DBA9567}" type="datetimeFigureOut">
               <a:rPr lang="en-US" dirty="0"/>
               <a:pPr/>
-              <a:t>1/31/2018</a:t>
+              <a:t>2/1/2018</a:t>
             </a:fld>
             <a:endParaRPr lang="en-US" dirty="0"/>
           </a:p>
@@ -5513,7 +5513,7 @@
             <a:fld id="{B61BEF0D-F0BB-DE4B-95CE-6DB70DBA9567}" type="datetimeFigureOut">
               <a:rPr lang="en-US" dirty="0"/>
               <a:pPr/>
-              <a:t>1/31/2018</a:t>
+              <a:t>2/1/2018</a:t>
             </a:fld>
             <a:endParaRPr lang="en-US" dirty="0"/>
           </a:p>
@@ -5724,7 +5724,7 @@
             <a:fld id="{B61BEF0D-F0BB-DE4B-95CE-6DB70DBA9567}" type="datetimeFigureOut">
               <a:rPr lang="en-US" dirty="0"/>
               <a:pPr/>
-              <a:t>1/31/2018</a:t>
+              <a:t>2/1/2018</a:t>
             </a:fld>
             <a:endParaRPr lang="en-US" dirty="0"/>
           </a:p>
@@ -6279,8 +6279,20 @@
           <a:p>
             <a:r>
               <a:rPr lang="pt-PT" dirty="0" smtClean="0"/>
-              <a:t>rosa Fernandes</a:t>
-            </a:r>
+              <a:t>rosa </a:t>
+            </a:r>
+            <a:r>
+              <a:rPr lang="pt-PT" dirty="0" smtClean="0"/>
+              <a:t>Fernandes</a:t>
+            </a:r>
+          </a:p>
+          <a:p>
+            <a:r>
+              <a:rPr lang="pt-PT" smtClean="0"/>
+              <a:t>19/01/2018</a:t>
+            </a:r>
+          </a:p>
+          <a:p>
             <a:endParaRPr lang="pt-PT" dirty="0"/>
           </a:p>
         </p:txBody>
